--- a/NYC FSharp UG. 2014-08-26/NYC F# UG. 2014-08-26.pptx
+++ b/NYC FSharp UG. 2014-08-26/NYC F# UG. 2014-08-26.pptx
@@ -19,6 +19,7 @@
     <p:sldId id="297" r:id="rId13"/>
     <p:sldId id="304" r:id="rId14"/>
     <p:sldId id="303" r:id="rId15"/>
+    <p:sldId id="306" r:id="rId16"/>
   </p:sldIdLst>
   <p:sldSz cx="12192000" cy="6858000"/>
   <p:notesSz cx="6858000" cy="9144000"/>
@@ -175,7 +176,7 @@
           <a:noFill/>
           <a:extLst>
             <a:ext uri="{909E8E84-426E-40dd-AFC4-6F175D3DCCD1}">
-              <a14:hiddenFill xmlns="" xmlns:a14="http://schemas.microsoft.com/office/drawing/2010/main">
+              <a14:hiddenFill xmlns:a14="http://schemas.microsoft.com/office/drawing/2010/main" xmlns="">
                 <a:solidFill>
                   <a:srgbClr val="FFFFFF"/>
                 </a:solidFill>
@@ -235,7 +236,7 @@
             </a:ln>
             <a:extLst>
               <a:ext uri="{91240B29-F687-4f45-9708-019B960494DF}">
-                <a14:hiddenLine xmlns="" xmlns:a14="http://schemas.microsoft.com/office/drawing/2010/main" w="9525">
+                <a14:hiddenLine xmlns:a14="http://schemas.microsoft.com/office/drawing/2010/main" xmlns="" w="9525">
                   <a:solidFill>
                     <a:srgbClr val="000000"/>
                   </a:solidFill>
@@ -325,7 +326,7 @@
             </a:ln>
             <a:extLst>
               <a:ext uri="{91240B29-F687-4f45-9708-019B960494DF}">
-                <a14:hiddenLine xmlns="" xmlns:a14="http://schemas.microsoft.com/office/drawing/2010/main" w="9525">
+                <a14:hiddenLine xmlns:a14="http://schemas.microsoft.com/office/drawing/2010/main" xmlns="" w="9525">
                   <a:solidFill>
                     <a:srgbClr val="000000"/>
                   </a:solidFill>
@@ -415,7 +416,7 @@
             </a:ln>
             <a:extLst>
               <a:ext uri="{91240B29-F687-4f45-9708-019B960494DF}">
-                <a14:hiddenLine xmlns="" xmlns:a14="http://schemas.microsoft.com/office/drawing/2010/main" w="9525">
+                <a14:hiddenLine xmlns:a14="http://schemas.microsoft.com/office/drawing/2010/main" xmlns="" w="9525">
                   <a:solidFill>
                     <a:srgbClr val="000000"/>
                   </a:solidFill>
@@ -449,7 +450,7 @@
             </a:ln>
             <a:extLst>
               <a:ext uri="{91240B29-F687-4f45-9708-019B960494DF}">
-                <a14:hiddenLine xmlns="" xmlns:a14="http://schemas.microsoft.com/office/drawing/2010/main" w="9525">
+                <a14:hiddenLine xmlns:a14="http://schemas.microsoft.com/office/drawing/2010/main" xmlns="" w="9525">
                   <a:solidFill>
                     <a:srgbClr val="000000"/>
                   </a:solidFill>
@@ -539,7 +540,7 @@
             </a:ln>
             <a:extLst>
               <a:ext uri="{91240B29-F687-4f45-9708-019B960494DF}">
-                <a14:hiddenLine xmlns="" xmlns:a14="http://schemas.microsoft.com/office/drawing/2010/main" w="9525">
+                <a14:hiddenLine xmlns:a14="http://schemas.microsoft.com/office/drawing/2010/main" xmlns="" w="9525">
                   <a:solidFill>
                     <a:srgbClr val="000000"/>
                   </a:solidFill>
@@ -601,7 +602,7 @@
             </a:ln>
             <a:extLst>
               <a:ext uri="{91240B29-F687-4f45-9708-019B960494DF}">
-                <a14:hiddenLine xmlns="" xmlns:a14="http://schemas.microsoft.com/office/drawing/2010/main" w="9525">
+                <a14:hiddenLine xmlns:a14="http://schemas.microsoft.com/office/drawing/2010/main" xmlns="" w="9525">
                   <a:solidFill>
                     <a:srgbClr val="000000"/>
                   </a:solidFill>
@@ -663,7 +664,7 @@
             </a:ln>
             <a:extLst>
               <a:ext uri="{91240B29-F687-4f45-9708-019B960494DF}">
-                <a14:hiddenLine xmlns="" xmlns:a14="http://schemas.microsoft.com/office/drawing/2010/main" w="9525">
+                <a14:hiddenLine xmlns:a14="http://schemas.microsoft.com/office/drawing/2010/main" xmlns="" w="9525">
                   <a:solidFill>
                     <a:srgbClr val="000000"/>
                   </a:solidFill>
@@ -753,7 +754,7 @@
             </a:ln>
             <a:extLst>
               <a:ext uri="{91240B29-F687-4f45-9708-019B960494DF}">
-                <a14:hiddenLine xmlns="" xmlns:a14="http://schemas.microsoft.com/office/drawing/2010/main" w="9525">
+                <a14:hiddenLine xmlns:a14="http://schemas.microsoft.com/office/drawing/2010/main" xmlns="" w="9525">
                   <a:solidFill>
                     <a:srgbClr val="000000"/>
                   </a:solidFill>
@@ -815,7 +816,7 @@
             </a:ln>
             <a:extLst>
               <a:ext uri="{91240B29-F687-4f45-9708-019B960494DF}">
-                <a14:hiddenLine xmlns="" xmlns:a14="http://schemas.microsoft.com/office/drawing/2010/main" w="9525">
+                <a14:hiddenLine xmlns:a14="http://schemas.microsoft.com/office/drawing/2010/main" xmlns="" w="9525">
                   <a:solidFill>
                     <a:srgbClr val="000000"/>
                   </a:solidFill>
@@ -877,7 +878,7 @@
             </a:ln>
             <a:extLst>
               <a:ext uri="{91240B29-F687-4f45-9708-019B960494DF}">
-                <a14:hiddenLine xmlns="" xmlns:a14="http://schemas.microsoft.com/office/drawing/2010/main" w="9525">
+                <a14:hiddenLine xmlns:a14="http://schemas.microsoft.com/office/drawing/2010/main" xmlns="" w="9525">
                   <a:solidFill>
                     <a:srgbClr val="000000"/>
                   </a:solidFill>
@@ -967,7 +968,7 @@
             </a:ln>
             <a:extLst>
               <a:ext uri="{91240B29-F687-4f45-9708-019B960494DF}">
-                <a14:hiddenLine xmlns="" xmlns:a14="http://schemas.microsoft.com/office/drawing/2010/main" w="9525">
+                <a14:hiddenLine xmlns:a14="http://schemas.microsoft.com/office/drawing/2010/main" xmlns="" w="9525">
                   <a:solidFill>
                     <a:srgbClr val="000000"/>
                   </a:solidFill>
@@ -1057,7 +1058,7 @@
             </a:ln>
             <a:extLst>
               <a:ext uri="{91240B29-F687-4f45-9708-019B960494DF}">
-                <a14:hiddenLine xmlns="" xmlns:a14="http://schemas.microsoft.com/office/drawing/2010/main" w="9525">
+                <a14:hiddenLine xmlns:a14="http://schemas.microsoft.com/office/drawing/2010/main" xmlns="" w="9525">
                   <a:solidFill>
                     <a:srgbClr val="000000"/>
                   </a:solidFill>
@@ -1119,7 +1120,7 @@
             </a:ln>
             <a:extLst>
               <a:ext uri="{91240B29-F687-4f45-9708-019B960494DF}">
-                <a14:hiddenLine xmlns="" xmlns:a14="http://schemas.microsoft.com/office/drawing/2010/main" w="9525">
+                <a14:hiddenLine xmlns:a14="http://schemas.microsoft.com/office/drawing/2010/main" xmlns="" w="9525">
                   <a:solidFill>
                     <a:srgbClr val="000000"/>
                   </a:solidFill>
@@ -1229,7 +1230,7 @@
             </a:ln>
             <a:extLst>
               <a:ext uri="{91240B29-F687-4f45-9708-019B960494DF}">
-                <a14:hiddenLine xmlns="" xmlns:a14="http://schemas.microsoft.com/office/drawing/2010/main" w="9525">
+                <a14:hiddenLine xmlns:a14="http://schemas.microsoft.com/office/drawing/2010/main" xmlns="" w="9525">
                   <a:solidFill>
                     <a:srgbClr val="000000"/>
                   </a:solidFill>
@@ -1291,7 +1292,7 @@
             </a:ln>
             <a:extLst>
               <a:ext uri="{91240B29-F687-4f45-9708-019B960494DF}">
-                <a14:hiddenLine xmlns="" xmlns:a14="http://schemas.microsoft.com/office/drawing/2010/main" w="9525">
+                <a14:hiddenLine xmlns:a14="http://schemas.microsoft.com/office/drawing/2010/main" xmlns="" w="9525">
                   <a:solidFill>
                     <a:srgbClr val="000000"/>
                   </a:solidFill>
@@ -1381,7 +1382,7 @@
             </a:ln>
             <a:extLst>
               <a:ext uri="{91240B29-F687-4f45-9708-019B960494DF}">
-                <a14:hiddenLine xmlns="" xmlns:a14="http://schemas.microsoft.com/office/drawing/2010/main" w="9525">
+                <a14:hiddenLine xmlns:a14="http://schemas.microsoft.com/office/drawing/2010/main" xmlns="" w="9525">
                   <a:solidFill>
                     <a:srgbClr val="000000"/>
                   </a:solidFill>
@@ -1471,7 +1472,7 @@
             </a:ln>
             <a:extLst>
               <a:ext uri="{91240B29-F687-4f45-9708-019B960494DF}">
-                <a14:hiddenLine xmlns="" xmlns:a14="http://schemas.microsoft.com/office/drawing/2010/main" w="9525">
+                <a14:hiddenLine xmlns:a14="http://schemas.microsoft.com/office/drawing/2010/main" xmlns="" w="9525">
                   <a:solidFill>
                     <a:srgbClr val="000000"/>
                   </a:solidFill>
@@ -1533,7 +1534,7 @@
             </a:ln>
             <a:extLst>
               <a:ext uri="{91240B29-F687-4f45-9708-019B960494DF}">
-                <a14:hiddenLine xmlns="" xmlns:a14="http://schemas.microsoft.com/office/drawing/2010/main" w="9525">
+                <a14:hiddenLine xmlns:a14="http://schemas.microsoft.com/office/drawing/2010/main" xmlns="" w="9525">
                   <a:solidFill>
                     <a:srgbClr val="000000"/>
                   </a:solidFill>
@@ -1623,7 +1624,7 @@
             </a:ln>
             <a:extLst>
               <a:ext uri="{91240B29-F687-4f45-9708-019B960494DF}">
-                <a14:hiddenLine xmlns="" xmlns:a14="http://schemas.microsoft.com/office/drawing/2010/main" w="9525">
+                <a14:hiddenLine xmlns:a14="http://schemas.microsoft.com/office/drawing/2010/main" xmlns="" w="9525">
                   <a:solidFill>
                     <a:srgbClr val="000000"/>
                   </a:solidFill>
@@ -1713,7 +1714,7 @@
             </a:ln>
             <a:extLst>
               <a:ext uri="{91240B29-F687-4f45-9708-019B960494DF}">
-                <a14:hiddenLine xmlns="" xmlns:a14="http://schemas.microsoft.com/office/drawing/2010/main" w="9525">
+                <a14:hiddenLine xmlns:a14="http://schemas.microsoft.com/office/drawing/2010/main" xmlns="" w="9525">
                   <a:solidFill>
                     <a:srgbClr val="000000"/>
                   </a:solidFill>
@@ -1769,7 +1770,7 @@
             </a:ln>
             <a:extLst>
               <a:ext uri="{91240B29-F687-4f45-9708-019B960494DF}">
-                <a14:hiddenLine xmlns="" xmlns:a14="http://schemas.microsoft.com/office/drawing/2010/main" w="9525">
+                <a14:hiddenLine xmlns:a14="http://schemas.microsoft.com/office/drawing/2010/main" xmlns="" w="9525">
                   <a:solidFill>
                     <a:srgbClr val="000000"/>
                   </a:solidFill>
@@ -1859,7 +1860,7 @@
             </a:ln>
             <a:extLst>
               <a:ext uri="{91240B29-F687-4f45-9708-019B960494DF}">
-                <a14:hiddenLine xmlns="" xmlns:a14="http://schemas.microsoft.com/office/drawing/2010/main" w="9525">
+                <a14:hiddenLine xmlns:a14="http://schemas.microsoft.com/office/drawing/2010/main" xmlns="" w="9525">
                   <a:solidFill>
                     <a:srgbClr val="000000"/>
                   </a:solidFill>
@@ -1915,7 +1916,7 @@
             </a:ln>
             <a:extLst>
               <a:ext uri="{91240B29-F687-4f45-9708-019B960494DF}">
-                <a14:hiddenLine xmlns="" xmlns:a14="http://schemas.microsoft.com/office/drawing/2010/main" w="9525">
+                <a14:hiddenLine xmlns:a14="http://schemas.microsoft.com/office/drawing/2010/main" xmlns="" w="9525">
                   <a:solidFill>
                     <a:srgbClr val="000000"/>
                   </a:solidFill>
@@ -2005,7 +2006,7 @@
             </a:ln>
             <a:extLst>
               <a:ext uri="{91240B29-F687-4f45-9708-019B960494DF}">
-                <a14:hiddenLine xmlns="" xmlns:a14="http://schemas.microsoft.com/office/drawing/2010/main" w="9525">
+                <a14:hiddenLine xmlns:a14="http://schemas.microsoft.com/office/drawing/2010/main" xmlns="" w="9525">
                   <a:solidFill>
                     <a:srgbClr val="000000"/>
                   </a:solidFill>
@@ -2073,7 +2074,7 @@
             </a:ln>
             <a:extLst>
               <a:ext uri="{91240B29-F687-4f45-9708-019B960494DF}">
-                <a14:hiddenLine xmlns="" xmlns:a14="http://schemas.microsoft.com/office/drawing/2010/main" w="9525">
+                <a14:hiddenLine xmlns:a14="http://schemas.microsoft.com/office/drawing/2010/main" xmlns="" w="9525">
                   <a:solidFill>
                     <a:srgbClr val="000000"/>
                   </a:solidFill>
@@ -2163,7 +2164,7 @@
             </a:ln>
             <a:extLst>
               <a:ext uri="{91240B29-F687-4f45-9708-019B960494DF}">
-                <a14:hiddenLine xmlns="" xmlns:a14="http://schemas.microsoft.com/office/drawing/2010/main" w="9525">
+                <a14:hiddenLine xmlns:a14="http://schemas.microsoft.com/office/drawing/2010/main" xmlns="" w="9525">
                   <a:solidFill>
                     <a:srgbClr val="000000"/>
                   </a:solidFill>
@@ -2231,7 +2232,7 @@
             </a:ln>
             <a:extLst>
               <a:ext uri="{91240B29-F687-4f45-9708-019B960494DF}">
-                <a14:hiddenLine xmlns="" xmlns:a14="http://schemas.microsoft.com/office/drawing/2010/main" w="9525">
+                <a14:hiddenLine xmlns:a14="http://schemas.microsoft.com/office/drawing/2010/main" xmlns="" w="9525">
                   <a:solidFill>
                     <a:srgbClr val="000000"/>
                   </a:solidFill>
@@ -2321,7 +2322,7 @@
             </a:ln>
             <a:extLst>
               <a:ext uri="{91240B29-F687-4f45-9708-019B960494DF}">
-                <a14:hiddenLine xmlns="" xmlns:a14="http://schemas.microsoft.com/office/drawing/2010/main" w="9525">
+                <a14:hiddenLine xmlns:a14="http://schemas.microsoft.com/office/drawing/2010/main" xmlns="" w="9525">
                   <a:solidFill>
                     <a:srgbClr val="000000"/>
                   </a:solidFill>
@@ -2355,7 +2356,7 @@
             </a:ln>
             <a:extLst>
               <a:ext uri="{91240B29-F687-4f45-9708-019B960494DF}">
-                <a14:hiddenLine xmlns="" xmlns:a14="http://schemas.microsoft.com/office/drawing/2010/main" w="9525">
+                <a14:hiddenLine xmlns:a14="http://schemas.microsoft.com/office/drawing/2010/main" xmlns="" w="9525">
                   <a:solidFill>
                     <a:srgbClr val="000000"/>
                   </a:solidFill>
@@ -2445,7 +2446,7 @@
             </a:ln>
             <a:extLst>
               <a:ext uri="{91240B29-F687-4f45-9708-019B960494DF}">
-                <a14:hiddenLine xmlns="" xmlns:a14="http://schemas.microsoft.com/office/drawing/2010/main" w="9525">
+                <a14:hiddenLine xmlns:a14="http://schemas.microsoft.com/office/drawing/2010/main" xmlns="" w="9525">
                   <a:solidFill>
                     <a:srgbClr val="000000"/>
                   </a:solidFill>
@@ -2507,7 +2508,7 @@
             </a:ln>
             <a:extLst>
               <a:ext uri="{91240B29-F687-4f45-9708-019B960494DF}">
-                <a14:hiddenLine xmlns="" xmlns:a14="http://schemas.microsoft.com/office/drawing/2010/main" w="9525">
+                <a14:hiddenLine xmlns:a14="http://schemas.microsoft.com/office/drawing/2010/main" xmlns="" w="9525">
                   <a:solidFill>
                     <a:srgbClr val="000000"/>
                   </a:solidFill>
@@ -2569,7 +2570,7 @@
             </a:ln>
             <a:extLst>
               <a:ext uri="{91240B29-F687-4f45-9708-019B960494DF}">
-                <a14:hiddenLine xmlns="" xmlns:a14="http://schemas.microsoft.com/office/drawing/2010/main" w="9525">
+                <a14:hiddenLine xmlns:a14="http://schemas.microsoft.com/office/drawing/2010/main" xmlns="" w="9525">
                   <a:solidFill>
                     <a:srgbClr val="000000"/>
                   </a:solidFill>
@@ -2659,7 +2660,7 @@
             </a:ln>
             <a:extLst>
               <a:ext uri="{91240B29-F687-4f45-9708-019B960494DF}">
-                <a14:hiddenLine xmlns="" xmlns:a14="http://schemas.microsoft.com/office/drawing/2010/main" w="9525">
+                <a14:hiddenLine xmlns:a14="http://schemas.microsoft.com/office/drawing/2010/main" xmlns="" w="9525">
                   <a:solidFill>
                     <a:srgbClr val="000000"/>
                   </a:solidFill>
@@ -2727,7 +2728,7 @@
             </a:ln>
             <a:extLst>
               <a:ext uri="{91240B29-F687-4f45-9708-019B960494DF}">
-                <a14:hiddenLine xmlns="" xmlns:a14="http://schemas.microsoft.com/office/drawing/2010/main" w="9525">
+                <a14:hiddenLine xmlns:a14="http://schemas.microsoft.com/office/drawing/2010/main" xmlns="" w="9525">
                   <a:solidFill>
                     <a:srgbClr val="000000"/>
                   </a:solidFill>
@@ -2789,7 +2790,7 @@
             </a:ln>
             <a:extLst>
               <a:ext uri="{91240B29-F687-4f45-9708-019B960494DF}">
-                <a14:hiddenLine xmlns="" xmlns:a14="http://schemas.microsoft.com/office/drawing/2010/main" w="9525">
+                <a14:hiddenLine xmlns:a14="http://schemas.microsoft.com/office/drawing/2010/main" xmlns="" w="9525">
                   <a:solidFill>
                     <a:srgbClr val="000000"/>
                   </a:solidFill>
@@ -2879,7 +2880,7 @@
             </a:ln>
             <a:extLst>
               <a:ext uri="{91240B29-F687-4f45-9708-019B960494DF}">
-                <a14:hiddenLine xmlns="" xmlns:a14="http://schemas.microsoft.com/office/drawing/2010/main" w="9525">
+                <a14:hiddenLine xmlns:a14="http://schemas.microsoft.com/office/drawing/2010/main" xmlns="" w="9525">
                   <a:solidFill>
                     <a:srgbClr val="000000"/>
                   </a:solidFill>
@@ -2941,7 +2942,7 @@
             </a:ln>
             <a:extLst>
               <a:ext uri="{91240B29-F687-4f45-9708-019B960494DF}">
-                <a14:hiddenLine xmlns="" xmlns:a14="http://schemas.microsoft.com/office/drawing/2010/main" w="9525">
+                <a14:hiddenLine xmlns:a14="http://schemas.microsoft.com/office/drawing/2010/main" xmlns="" w="9525">
                   <a:solidFill>
                     <a:srgbClr val="000000"/>
                   </a:solidFill>
@@ -3031,7 +3032,7 @@
             </a:ln>
             <a:extLst>
               <a:ext uri="{91240B29-F687-4f45-9708-019B960494DF}">
-                <a14:hiddenLine xmlns="" xmlns:a14="http://schemas.microsoft.com/office/drawing/2010/main" w="9525">
+                <a14:hiddenLine xmlns:a14="http://schemas.microsoft.com/office/drawing/2010/main" xmlns="" w="9525">
                   <a:solidFill>
                     <a:srgbClr val="000000"/>
                   </a:solidFill>
@@ -3093,7 +3094,7 @@
             </a:ln>
             <a:extLst>
               <a:ext uri="{91240B29-F687-4f45-9708-019B960494DF}">
-                <a14:hiddenLine xmlns="" xmlns:a14="http://schemas.microsoft.com/office/drawing/2010/main" w="9525">
+                <a14:hiddenLine xmlns:a14="http://schemas.microsoft.com/office/drawing/2010/main" xmlns="" w="9525">
                   <a:solidFill>
                     <a:srgbClr val="000000"/>
                   </a:solidFill>
@@ -3183,7 +3184,7 @@
             </a:ln>
             <a:extLst>
               <a:ext uri="{91240B29-F687-4f45-9708-019B960494DF}">
-                <a14:hiddenLine xmlns="" xmlns:a14="http://schemas.microsoft.com/office/drawing/2010/main" w="9525">
+                <a14:hiddenLine xmlns:a14="http://schemas.microsoft.com/office/drawing/2010/main" xmlns="" w="9525">
                   <a:solidFill>
                     <a:srgbClr val="000000"/>
                   </a:solidFill>
@@ -3217,7 +3218,7 @@
             </a:ln>
             <a:extLst>
               <a:ext uri="{91240B29-F687-4f45-9708-019B960494DF}">
-                <a14:hiddenLine xmlns="" xmlns:a14="http://schemas.microsoft.com/office/drawing/2010/main" w="9525">
+                <a14:hiddenLine xmlns:a14="http://schemas.microsoft.com/office/drawing/2010/main" xmlns="" w="9525">
                   <a:solidFill>
                     <a:srgbClr val="000000"/>
                   </a:solidFill>
@@ -3282,7 +3283,7 @@
             </a:ln>
             <a:extLst>
               <a:ext uri="{91240B29-F687-4f45-9708-019B960494DF}">
-                <a14:hiddenLine xmlns="" xmlns:a14="http://schemas.microsoft.com/office/drawing/2010/main" w="9525">
+                <a14:hiddenLine xmlns:a14="http://schemas.microsoft.com/office/drawing/2010/main" xmlns="" w="9525">
                   <a:solidFill>
                     <a:srgbClr val="000000"/>
                   </a:solidFill>
@@ -3372,7 +3373,7 @@
             </a:ln>
             <a:extLst>
               <a:ext uri="{91240B29-F687-4f45-9708-019B960494DF}">
-                <a14:hiddenLine xmlns="" xmlns:a14="http://schemas.microsoft.com/office/drawing/2010/main" w="9525">
+                <a14:hiddenLine xmlns:a14="http://schemas.microsoft.com/office/drawing/2010/main" xmlns="" w="9525">
                   <a:solidFill>
                     <a:srgbClr val="000000"/>
                   </a:solidFill>
@@ -3434,7 +3435,7 @@
             </a:ln>
             <a:extLst>
               <a:ext uri="{91240B29-F687-4f45-9708-019B960494DF}">
-                <a14:hiddenLine xmlns="" xmlns:a14="http://schemas.microsoft.com/office/drawing/2010/main" w="9525">
+                <a14:hiddenLine xmlns:a14="http://schemas.microsoft.com/office/drawing/2010/main" xmlns="" w="9525">
                   <a:solidFill>
                     <a:srgbClr val="000000"/>
                   </a:solidFill>
@@ -3524,7 +3525,7 @@
             </a:ln>
             <a:extLst>
               <a:ext uri="{91240B29-F687-4f45-9708-019B960494DF}">
-                <a14:hiddenLine xmlns="" xmlns:a14="http://schemas.microsoft.com/office/drawing/2010/main" w="9525">
+                <a14:hiddenLine xmlns:a14="http://schemas.microsoft.com/office/drawing/2010/main" xmlns="" w="9525">
                   <a:solidFill>
                     <a:srgbClr val="000000"/>
                   </a:solidFill>
@@ -3614,7 +3615,7 @@
             </a:ln>
             <a:extLst>
               <a:ext uri="{91240B29-F687-4f45-9708-019B960494DF}">
-                <a14:hiddenLine xmlns="" xmlns:a14="http://schemas.microsoft.com/office/drawing/2010/main" w="9525">
+                <a14:hiddenLine xmlns:a14="http://schemas.microsoft.com/office/drawing/2010/main" xmlns="" w="9525">
                   <a:solidFill>
                     <a:srgbClr val="000000"/>
                   </a:solidFill>
@@ -3679,7 +3680,7 @@
             </a:ln>
             <a:extLst>
               <a:ext uri="{91240B29-F687-4f45-9708-019B960494DF}">
-                <a14:hiddenLine xmlns="" xmlns:a14="http://schemas.microsoft.com/office/drawing/2010/main" w="9525">
+                <a14:hiddenLine xmlns:a14="http://schemas.microsoft.com/office/drawing/2010/main" xmlns="" w="9525">
                   <a:solidFill>
                     <a:srgbClr val="000000"/>
                   </a:solidFill>
@@ -3741,7 +3742,7 @@
             </a:ln>
             <a:extLst>
               <a:ext uri="{91240B29-F687-4f45-9708-019B960494DF}">
-                <a14:hiddenLine xmlns="" xmlns:a14="http://schemas.microsoft.com/office/drawing/2010/main" w="9525">
+                <a14:hiddenLine xmlns:a14="http://schemas.microsoft.com/office/drawing/2010/main" xmlns="" w="9525">
                   <a:solidFill>
                     <a:srgbClr val="000000"/>
                   </a:solidFill>
@@ -3831,7 +3832,7 @@
             </a:ln>
             <a:extLst>
               <a:ext uri="{91240B29-F687-4f45-9708-019B960494DF}">
-                <a14:hiddenLine xmlns="" xmlns:a14="http://schemas.microsoft.com/office/drawing/2010/main" w="9525">
+                <a14:hiddenLine xmlns:a14="http://schemas.microsoft.com/office/drawing/2010/main" xmlns="" w="9525">
                   <a:solidFill>
                     <a:srgbClr val="000000"/>
                   </a:solidFill>
@@ -3921,7 +3922,7 @@
             </a:ln>
             <a:extLst>
               <a:ext uri="{91240B29-F687-4f45-9708-019B960494DF}">
-                <a14:hiddenLine xmlns="" xmlns:a14="http://schemas.microsoft.com/office/drawing/2010/main" w="9525">
+                <a14:hiddenLine xmlns:a14="http://schemas.microsoft.com/office/drawing/2010/main" xmlns="" w="9525">
                   <a:solidFill>
                     <a:srgbClr val="000000"/>
                   </a:solidFill>
@@ -3983,7 +3984,7 @@
             </a:ln>
             <a:extLst>
               <a:ext uri="{91240B29-F687-4f45-9708-019B960494DF}">
-                <a14:hiddenLine xmlns="" xmlns:a14="http://schemas.microsoft.com/office/drawing/2010/main" w="9525">
+                <a14:hiddenLine xmlns:a14="http://schemas.microsoft.com/office/drawing/2010/main" xmlns="" w="9525">
                   <a:solidFill>
                     <a:srgbClr val="000000"/>
                   </a:solidFill>
@@ -4103,7 +4104,7 @@
             </a:ln>
             <a:extLst>
               <a:ext uri="{91240B29-F687-4f45-9708-019B960494DF}">
-                <a14:hiddenLine xmlns="" xmlns:a14="http://schemas.microsoft.com/office/drawing/2010/main" w="9525">
+                <a14:hiddenLine xmlns:a14="http://schemas.microsoft.com/office/drawing/2010/main" xmlns="" w="9525">
                   <a:solidFill>
                     <a:srgbClr val="000000"/>
                   </a:solidFill>
@@ -4171,7 +4172,7 @@
             </a:ln>
             <a:extLst>
               <a:ext uri="{91240B29-F687-4f45-9708-019B960494DF}">
-                <a14:hiddenLine xmlns="" xmlns:a14="http://schemas.microsoft.com/office/drawing/2010/main" w="9525">
+                <a14:hiddenLine xmlns:a14="http://schemas.microsoft.com/office/drawing/2010/main" xmlns="" w="9525">
                   <a:solidFill>
                     <a:srgbClr val="000000"/>
                   </a:solidFill>
@@ -4261,7 +4262,7 @@
             </a:ln>
             <a:extLst>
               <a:ext uri="{91240B29-F687-4f45-9708-019B960494DF}">
-                <a14:hiddenLine xmlns="" xmlns:a14="http://schemas.microsoft.com/office/drawing/2010/main" w="9525">
+                <a14:hiddenLine xmlns:a14="http://schemas.microsoft.com/office/drawing/2010/main" xmlns="" w="9525">
                   <a:solidFill>
                     <a:srgbClr val="000000"/>
                   </a:solidFill>
@@ -9102,7 +9103,7 @@
           <a:noFill/>
           <a:extLst>
             <a:ext uri="{909E8E84-426E-40dd-AFC4-6F175D3DCCD1}">
-              <a14:hiddenFill xmlns="" xmlns:a14="http://schemas.microsoft.com/office/drawing/2010/main">
+              <a14:hiddenFill xmlns:a14="http://schemas.microsoft.com/office/drawing/2010/main" xmlns="">
                 <a:solidFill>
                   <a:srgbClr val="FFFFFF"/>
                 </a:solidFill>
@@ -9176,7 +9177,7 @@
               </a:ln>
               <a:extLst>
                 <a:ext uri="{91240B29-F687-4f45-9708-019B960494DF}">
-                  <a14:hiddenLine xmlns="" xmlns:a14="http://schemas.microsoft.com/office/drawing/2010/main" w="9525">
+                  <a14:hiddenLine xmlns:a14="http://schemas.microsoft.com/office/drawing/2010/main" xmlns="" w="9525">
                     <a:solidFill>
                       <a:srgbClr val="000000"/>
                     </a:solidFill>
@@ -9266,7 +9267,7 @@
               </a:ln>
               <a:extLst>
                 <a:ext uri="{91240B29-F687-4f45-9708-019B960494DF}">
-                  <a14:hiddenLine xmlns="" xmlns:a14="http://schemas.microsoft.com/office/drawing/2010/main" w="9525">
+                  <a14:hiddenLine xmlns:a14="http://schemas.microsoft.com/office/drawing/2010/main" xmlns="" w="9525">
                     <a:solidFill>
                       <a:srgbClr val="000000"/>
                     </a:solidFill>
@@ -9356,7 +9357,7 @@
               </a:ln>
               <a:extLst>
                 <a:ext uri="{91240B29-F687-4f45-9708-019B960494DF}">
-                  <a14:hiddenLine xmlns="" xmlns:a14="http://schemas.microsoft.com/office/drawing/2010/main" w="9525">
+                  <a14:hiddenLine xmlns:a14="http://schemas.microsoft.com/office/drawing/2010/main" xmlns="" w="9525">
                     <a:solidFill>
                       <a:srgbClr val="000000"/>
                     </a:solidFill>
@@ -9418,7 +9419,7 @@
               </a:ln>
               <a:extLst>
                 <a:ext uri="{91240B29-F687-4f45-9708-019B960494DF}">
-                  <a14:hiddenLine xmlns="" xmlns:a14="http://schemas.microsoft.com/office/drawing/2010/main" w="9525">
+                  <a14:hiddenLine xmlns:a14="http://schemas.microsoft.com/office/drawing/2010/main" xmlns="" w="9525">
                     <a:solidFill>
                       <a:srgbClr val="000000"/>
                     </a:solidFill>
@@ -9508,7 +9509,7 @@
               </a:ln>
               <a:extLst>
                 <a:ext uri="{91240B29-F687-4f45-9708-019B960494DF}">
-                  <a14:hiddenLine xmlns="" xmlns:a14="http://schemas.microsoft.com/office/drawing/2010/main" w="9525">
+                  <a14:hiddenLine xmlns:a14="http://schemas.microsoft.com/office/drawing/2010/main" xmlns="" w="9525">
                     <a:solidFill>
                       <a:srgbClr val="000000"/>
                     </a:solidFill>
@@ -9570,7 +9571,7 @@
               </a:ln>
               <a:extLst>
                 <a:ext uri="{91240B29-F687-4f45-9708-019B960494DF}">
-                  <a14:hiddenLine xmlns="" xmlns:a14="http://schemas.microsoft.com/office/drawing/2010/main" w="9525">
+                  <a14:hiddenLine xmlns:a14="http://schemas.microsoft.com/office/drawing/2010/main" xmlns="" w="9525">
                     <a:solidFill>
                       <a:srgbClr val="000000"/>
                     </a:solidFill>
@@ -9632,7 +9633,7 @@
               </a:ln>
               <a:extLst>
                 <a:ext uri="{91240B29-F687-4f45-9708-019B960494DF}">
-                  <a14:hiddenLine xmlns="" xmlns:a14="http://schemas.microsoft.com/office/drawing/2010/main" w="9525">
+                  <a14:hiddenLine xmlns:a14="http://schemas.microsoft.com/office/drawing/2010/main" xmlns="" w="9525">
                     <a:solidFill>
                       <a:srgbClr val="000000"/>
                     </a:solidFill>
@@ -9722,7 +9723,7 @@
               </a:ln>
               <a:extLst>
                 <a:ext uri="{91240B29-F687-4f45-9708-019B960494DF}">
-                  <a14:hiddenLine xmlns="" xmlns:a14="http://schemas.microsoft.com/office/drawing/2010/main" w="9525">
+                  <a14:hiddenLine xmlns:a14="http://schemas.microsoft.com/office/drawing/2010/main" xmlns="" w="9525">
                     <a:solidFill>
                       <a:srgbClr val="000000"/>
                     </a:solidFill>
@@ -9812,7 +9813,7 @@
               </a:ln>
               <a:extLst>
                 <a:ext uri="{91240B29-F687-4f45-9708-019B960494DF}">
-                  <a14:hiddenLine xmlns="" xmlns:a14="http://schemas.microsoft.com/office/drawing/2010/main" w="9525">
+                  <a14:hiddenLine xmlns:a14="http://schemas.microsoft.com/office/drawing/2010/main" xmlns="" w="9525">
                     <a:solidFill>
                       <a:srgbClr val="000000"/>
                     </a:solidFill>
@@ -9874,7 +9875,7 @@
               </a:ln>
               <a:extLst>
                 <a:ext uri="{91240B29-F687-4f45-9708-019B960494DF}">
-                  <a14:hiddenLine xmlns="" xmlns:a14="http://schemas.microsoft.com/office/drawing/2010/main" w="9525">
+                  <a14:hiddenLine xmlns:a14="http://schemas.microsoft.com/office/drawing/2010/main" xmlns="" w="9525">
                     <a:solidFill>
                       <a:srgbClr val="000000"/>
                     </a:solidFill>
@@ -9984,7 +9985,7 @@
               </a:ln>
               <a:extLst>
                 <a:ext uri="{91240B29-F687-4f45-9708-019B960494DF}">
-                  <a14:hiddenLine xmlns="" xmlns:a14="http://schemas.microsoft.com/office/drawing/2010/main" w="9525">
+                  <a14:hiddenLine xmlns:a14="http://schemas.microsoft.com/office/drawing/2010/main" xmlns="" w="9525">
                     <a:solidFill>
                       <a:srgbClr val="000000"/>
                     </a:solidFill>
@@ -10068,7 +10069,7 @@
               </a:ln>
               <a:extLst>
                 <a:ext uri="{91240B29-F687-4f45-9708-019B960494DF}">
-                  <a14:hiddenLine xmlns="" xmlns:a14="http://schemas.microsoft.com/office/drawing/2010/main" w="9525">
+                  <a14:hiddenLine xmlns:a14="http://schemas.microsoft.com/office/drawing/2010/main" xmlns="" w="9525">
                     <a:solidFill>
                       <a:srgbClr val="000000"/>
                     </a:solidFill>
@@ -10130,7 +10131,7 @@
               </a:ln>
               <a:extLst>
                 <a:ext uri="{91240B29-F687-4f45-9708-019B960494DF}">
-                  <a14:hiddenLine xmlns="" xmlns:a14="http://schemas.microsoft.com/office/drawing/2010/main" w="9525">
+                  <a14:hiddenLine xmlns:a14="http://schemas.microsoft.com/office/drawing/2010/main" xmlns="" w="9525">
                     <a:solidFill>
                       <a:srgbClr val="000000"/>
                     </a:solidFill>
@@ -10192,7 +10193,7 @@
               </a:ln>
               <a:extLst>
                 <a:ext uri="{91240B29-F687-4f45-9708-019B960494DF}">
-                  <a14:hiddenLine xmlns="" xmlns:a14="http://schemas.microsoft.com/office/drawing/2010/main" w="9525">
+                  <a14:hiddenLine xmlns:a14="http://schemas.microsoft.com/office/drawing/2010/main" xmlns="" w="9525">
                     <a:solidFill>
                       <a:srgbClr val="000000"/>
                     </a:solidFill>
@@ -10282,7 +10283,7 @@
               </a:ln>
               <a:extLst>
                 <a:ext uri="{91240B29-F687-4f45-9708-019B960494DF}">
-                  <a14:hiddenLine xmlns="" xmlns:a14="http://schemas.microsoft.com/office/drawing/2010/main" w="9525">
+                  <a14:hiddenLine xmlns:a14="http://schemas.microsoft.com/office/drawing/2010/main" xmlns="" w="9525">
                     <a:solidFill>
                       <a:srgbClr val="000000"/>
                     </a:solidFill>
@@ -10316,7 +10317,7 @@
               </a:ln>
               <a:extLst>
                 <a:ext uri="{91240B29-F687-4f45-9708-019B960494DF}">
-                  <a14:hiddenLine xmlns="" xmlns:a14="http://schemas.microsoft.com/office/drawing/2010/main" w="9525">
+                  <a14:hiddenLine xmlns:a14="http://schemas.microsoft.com/office/drawing/2010/main" xmlns="" w="9525">
                     <a:solidFill>
                       <a:srgbClr val="000000"/>
                     </a:solidFill>
@@ -10381,7 +10382,7 @@
               </a:ln>
               <a:extLst>
                 <a:ext uri="{91240B29-F687-4f45-9708-019B960494DF}">
-                  <a14:hiddenLine xmlns="" xmlns:a14="http://schemas.microsoft.com/office/drawing/2010/main" w="9525">
+                  <a14:hiddenLine xmlns:a14="http://schemas.microsoft.com/office/drawing/2010/main" xmlns="" w="9525">
                     <a:solidFill>
                       <a:srgbClr val="000000"/>
                     </a:solidFill>
@@ -10471,7 +10472,7 @@
               </a:ln>
               <a:extLst>
                 <a:ext uri="{91240B29-F687-4f45-9708-019B960494DF}">
-                  <a14:hiddenLine xmlns="" xmlns:a14="http://schemas.microsoft.com/office/drawing/2010/main" w="9525">
+                  <a14:hiddenLine xmlns:a14="http://schemas.microsoft.com/office/drawing/2010/main" xmlns="" w="9525">
                     <a:solidFill>
                       <a:srgbClr val="000000"/>
                     </a:solidFill>
@@ -10533,7 +10534,7 @@
               </a:ln>
               <a:extLst>
                 <a:ext uri="{91240B29-F687-4f45-9708-019B960494DF}">
-                  <a14:hiddenLine xmlns="" xmlns:a14="http://schemas.microsoft.com/office/drawing/2010/main" w="9525">
+                  <a14:hiddenLine xmlns:a14="http://schemas.microsoft.com/office/drawing/2010/main" xmlns="" w="9525">
                     <a:solidFill>
                       <a:srgbClr val="000000"/>
                     </a:solidFill>
@@ -10623,7 +10624,7 @@
               </a:ln>
               <a:extLst>
                 <a:ext uri="{91240B29-F687-4f45-9708-019B960494DF}">
-                  <a14:hiddenLine xmlns="" xmlns:a14="http://schemas.microsoft.com/office/drawing/2010/main" w="9525">
+                  <a14:hiddenLine xmlns:a14="http://schemas.microsoft.com/office/drawing/2010/main" xmlns="" w="9525">
                     <a:solidFill>
                       <a:srgbClr val="000000"/>
                     </a:solidFill>
@@ -10688,7 +10689,7 @@
               </a:ln>
               <a:extLst>
                 <a:ext uri="{91240B29-F687-4f45-9708-019B960494DF}">
-                  <a14:hiddenLine xmlns="" xmlns:a14="http://schemas.microsoft.com/office/drawing/2010/main" w="9525">
+                  <a14:hiddenLine xmlns:a14="http://schemas.microsoft.com/office/drawing/2010/main" xmlns="" w="9525">
                     <a:solidFill>
                       <a:srgbClr val="000000"/>
                     </a:solidFill>
@@ -10750,7 +10751,7 @@
               </a:ln>
               <a:extLst>
                 <a:ext uri="{91240B29-F687-4f45-9708-019B960494DF}">
-                  <a14:hiddenLine xmlns="" xmlns:a14="http://schemas.microsoft.com/office/drawing/2010/main" w="9525">
+                  <a14:hiddenLine xmlns:a14="http://schemas.microsoft.com/office/drawing/2010/main" xmlns="" w="9525">
                     <a:solidFill>
                       <a:srgbClr val="000000"/>
                     </a:solidFill>
@@ -10840,7 +10841,7 @@
               </a:ln>
               <a:extLst>
                 <a:ext uri="{91240B29-F687-4f45-9708-019B960494DF}">
-                  <a14:hiddenLine xmlns="" xmlns:a14="http://schemas.microsoft.com/office/drawing/2010/main" w="9525">
+                  <a14:hiddenLine xmlns:a14="http://schemas.microsoft.com/office/drawing/2010/main" xmlns="" w="9525">
                     <a:solidFill>
                       <a:srgbClr val="000000"/>
                     </a:solidFill>
@@ -10930,7 +10931,7 @@
               </a:ln>
               <a:extLst>
                 <a:ext uri="{91240B29-F687-4f45-9708-019B960494DF}">
-                  <a14:hiddenLine xmlns="" xmlns:a14="http://schemas.microsoft.com/office/drawing/2010/main" w="9525">
+                  <a14:hiddenLine xmlns:a14="http://schemas.microsoft.com/office/drawing/2010/main" xmlns="" w="9525">
                     <a:solidFill>
                       <a:srgbClr val="000000"/>
                     </a:solidFill>
@@ -10995,7 +10996,7 @@
               </a:ln>
               <a:extLst>
                 <a:ext uri="{91240B29-F687-4f45-9708-019B960494DF}">
-                  <a14:hiddenLine xmlns="" xmlns:a14="http://schemas.microsoft.com/office/drawing/2010/main" w="9525">
+                  <a14:hiddenLine xmlns:a14="http://schemas.microsoft.com/office/drawing/2010/main" xmlns="" w="9525">
                     <a:solidFill>
                       <a:srgbClr val="000000"/>
                     </a:solidFill>
@@ -11115,7 +11116,7 @@
               </a:ln>
               <a:extLst>
                 <a:ext uri="{91240B29-F687-4f45-9708-019B960494DF}">
-                  <a14:hiddenLine xmlns="" xmlns:a14="http://schemas.microsoft.com/office/drawing/2010/main" w="9525">
+                  <a14:hiddenLine xmlns:a14="http://schemas.microsoft.com/office/drawing/2010/main" xmlns="" w="9525">
                     <a:solidFill>
                       <a:srgbClr val="000000"/>
                     </a:solidFill>
@@ -11213,7 +11214,7 @@
               </a:ln>
               <a:extLst>
                 <a:ext uri="{91240B29-F687-4f45-9708-019B960494DF}">
-                  <a14:hiddenLine xmlns="" xmlns:a14="http://schemas.microsoft.com/office/drawing/2010/main" w="9525">
+                  <a14:hiddenLine xmlns:a14="http://schemas.microsoft.com/office/drawing/2010/main" xmlns="" w="9525">
                     <a:solidFill>
                       <a:srgbClr val="000000"/>
                     </a:solidFill>
@@ -11328,7 +11329,7 @@
               </a:ln>
               <a:extLst>
                 <a:ext uri="{91240B29-F687-4f45-9708-019B960494DF}">
-                  <a14:hiddenLine xmlns="" xmlns:a14="http://schemas.microsoft.com/office/drawing/2010/main" w="9525">
+                  <a14:hiddenLine xmlns:a14="http://schemas.microsoft.com/office/drawing/2010/main" xmlns="" w="9525">
                     <a:solidFill>
                       <a:srgbClr val="000000"/>
                     </a:solidFill>
@@ -11418,7 +11419,7 @@
               </a:ln>
               <a:extLst>
                 <a:ext uri="{91240B29-F687-4f45-9708-019B960494DF}">
-                  <a14:hiddenLine xmlns="" xmlns:a14="http://schemas.microsoft.com/office/drawing/2010/main" w="9525">
+                  <a14:hiddenLine xmlns:a14="http://schemas.microsoft.com/office/drawing/2010/main" xmlns="" w="9525">
                     <a:solidFill>
                       <a:srgbClr val="000000"/>
                     </a:solidFill>
@@ -11483,7 +11484,7 @@
               </a:ln>
               <a:extLst>
                 <a:ext uri="{91240B29-F687-4f45-9708-019B960494DF}">
-                  <a14:hiddenLine xmlns="" xmlns:a14="http://schemas.microsoft.com/office/drawing/2010/main" w="9525">
+                  <a14:hiddenLine xmlns:a14="http://schemas.microsoft.com/office/drawing/2010/main" xmlns="" w="9525">
                     <a:solidFill>
                       <a:srgbClr val="000000"/>
                     </a:solidFill>
@@ -11573,7 +11574,7 @@
               </a:ln>
               <a:extLst>
                 <a:ext uri="{91240B29-F687-4f45-9708-019B960494DF}">
-                  <a14:hiddenLine xmlns="" xmlns:a14="http://schemas.microsoft.com/office/drawing/2010/main" w="9525">
+                  <a14:hiddenLine xmlns:a14="http://schemas.microsoft.com/office/drawing/2010/main" xmlns="" w="9525">
                     <a:solidFill>
                       <a:srgbClr val="000000"/>
                     </a:solidFill>
@@ -11641,7 +11642,7 @@
               </a:ln>
               <a:extLst>
                 <a:ext uri="{91240B29-F687-4f45-9708-019B960494DF}">
-                  <a14:hiddenLine xmlns="" xmlns:a14="http://schemas.microsoft.com/office/drawing/2010/main" w="9525">
+                  <a14:hiddenLine xmlns:a14="http://schemas.microsoft.com/office/drawing/2010/main" xmlns="" w="9525">
                     <a:solidFill>
                       <a:srgbClr val="000000"/>
                     </a:solidFill>
@@ -11731,7 +11732,7 @@
               </a:ln>
               <a:extLst>
                 <a:ext uri="{91240B29-F687-4f45-9708-019B960494DF}">
-                  <a14:hiddenLine xmlns="" xmlns:a14="http://schemas.microsoft.com/office/drawing/2010/main" w="9525">
+                  <a14:hiddenLine xmlns:a14="http://schemas.microsoft.com/office/drawing/2010/main" xmlns="" w="9525">
                     <a:solidFill>
                       <a:srgbClr val="000000"/>
                     </a:solidFill>
@@ -11799,7 +11800,7 @@
               </a:ln>
               <a:extLst>
                 <a:ext uri="{91240B29-F687-4f45-9708-019B960494DF}">
-                  <a14:hiddenLine xmlns="" xmlns:a14="http://schemas.microsoft.com/office/drawing/2010/main" w="9525">
+                  <a14:hiddenLine xmlns:a14="http://schemas.microsoft.com/office/drawing/2010/main" xmlns="" w="9525">
                     <a:solidFill>
                       <a:srgbClr val="000000"/>
                     </a:solidFill>
@@ -11889,7 +11890,7 @@
               </a:ln>
               <a:extLst>
                 <a:ext uri="{91240B29-F687-4f45-9708-019B960494DF}">
-                  <a14:hiddenLine xmlns="" xmlns:a14="http://schemas.microsoft.com/office/drawing/2010/main" w="9525">
+                  <a14:hiddenLine xmlns:a14="http://schemas.microsoft.com/office/drawing/2010/main" xmlns="" w="9525">
                     <a:solidFill>
                       <a:srgbClr val="000000"/>
                     </a:solidFill>
@@ -11923,7 +11924,7 @@
               </a:ln>
               <a:extLst>
                 <a:ext uri="{91240B29-F687-4f45-9708-019B960494DF}">
-                  <a14:hiddenLine xmlns="" xmlns:a14="http://schemas.microsoft.com/office/drawing/2010/main" w="9525">
+                  <a14:hiddenLine xmlns:a14="http://schemas.microsoft.com/office/drawing/2010/main" xmlns="" w="9525">
                     <a:solidFill>
                       <a:srgbClr val="000000"/>
                     </a:solidFill>
@@ -13183,6 +13184,117 @@
       </p:par>
     </p:tnLst>
   </p:timing>
+</p:sld>
+</file>
+
+<file path=ppt/slides/slide15.xml><?xml version="1.0" encoding="utf-8"?>
+<p:sld xmlns:a="http://schemas.openxmlformats.org/drawingml/2006/main" xmlns:r="http://schemas.openxmlformats.org/officeDocument/2006/relationships" xmlns:p="http://schemas.openxmlformats.org/presentationml/2006/main">
+  <p:cSld>
+    <p:spTree>
+      <p:nvGrpSpPr>
+        <p:cNvPr id="1" name=""/>
+        <p:cNvGrpSpPr/>
+        <p:nvPr/>
+      </p:nvGrpSpPr>
+      <p:grpSpPr>
+        <a:xfrm>
+          <a:off x="0" y="0"/>
+          <a:ext cx="0" cy="0"/>
+          <a:chOff x="0" y="0"/>
+          <a:chExt cx="0" cy="0"/>
+        </a:xfrm>
+      </p:grpSpPr>
+      <p:sp>
+        <p:nvSpPr>
+          <p:cNvPr id="2" name="Title 1"/>
+          <p:cNvSpPr>
+            <a:spLocks noGrp="1"/>
+          </p:cNvSpPr>
+          <p:nvPr>
+            <p:ph type="title"/>
+          </p:nvPr>
+        </p:nvSpPr>
+        <p:spPr/>
+        <p:txBody>
+          <a:bodyPr/>
+          <a:lstStyle/>
+          <a:p>
+            <a:r>
+              <a:rPr lang="en-US" dirty="0" smtClean="0"/>
+              <a:t>SUMMARY</a:t>
+            </a:r>
+            <a:endParaRPr lang="en-US" dirty="0"/>
+          </a:p>
+        </p:txBody>
+      </p:sp>
+      <p:sp>
+        <p:nvSpPr>
+          <p:cNvPr id="3" name="Content Placeholder 2"/>
+          <p:cNvSpPr>
+            <a:spLocks noGrp="1"/>
+          </p:cNvSpPr>
+          <p:nvPr>
+            <p:ph idx="1"/>
+          </p:nvPr>
+        </p:nvSpPr>
+        <p:spPr/>
+        <p:txBody>
+          <a:bodyPr/>
+          <a:lstStyle/>
+          <a:p>
+            <a:r>
+              <a:rPr lang="en-US" dirty="0" smtClean="0"/>
+              <a:t>Data access in T-SQL can be pleasant exercise </a:t>
+            </a:r>
+          </a:p>
+          <a:p>
+            <a:r>
+              <a:rPr lang="en-US" dirty="0">
+                <a:hlinkClick r:id="rId2"/>
+              </a:rPr>
+              <a:t>http://fsprojects.github.io/FSharp.Data.SqlClient</a:t>
+            </a:r>
+            <a:r>
+              <a:rPr lang="en-US" dirty="0" smtClean="0">
+                <a:hlinkClick r:id="rId2"/>
+              </a:rPr>
+              <a:t>/</a:t>
+            </a:r>
+            <a:endParaRPr lang="en-US" dirty="0" smtClean="0"/>
+          </a:p>
+          <a:p>
+            <a:pPr lvl="1"/>
+            <a:r>
+              <a:rPr lang="en-US" dirty="0" smtClean="0"/>
+              <a:t>Quite good docs and sample projects</a:t>
+            </a:r>
+          </a:p>
+          <a:p>
+            <a:pPr lvl="1"/>
+            <a:r>
+              <a:rPr lang="en-US" dirty="0" smtClean="0"/>
+              <a:t>Follows F# </a:t>
+            </a:r>
+            <a:r>
+              <a:rPr lang="en-US" smtClean="0"/>
+              <a:t>OSS standards</a:t>
+            </a:r>
+          </a:p>
+          <a:p>
+            <a:endParaRPr lang="en-US" dirty="0"/>
+          </a:p>
+        </p:txBody>
+      </p:sp>
+    </p:spTree>
+    <p:extLst>
+      <p:ext uri="{BB962C8B-B14F-4D97-AF65-F5344CB8AC3E}">
+        <p14:creationId xmlns:p14="http://schemas.microsoft.com/office/powerpoint/2010/main" val="3647999800"/>
+      </p:ext>
+    </p:extLst>
+  </p:cSld>
+  <p:clrMapOvr>
+    <a:masterClrMapping/>
+  </p:clrMapOvr>
 </p:sld>
 </file>
 

--- a/NYC FSharp UG. 2014-08-26/NYC F# UG. 2014-08-26.pptx
+++ b/NYC FSharp UG. 2014-08-26/NYC F# UG. 2014-08-26.pptx
@@ -6,20 +6,21 @@
   </p:sldMasterIdLst>
   <p:sldIdLst>
     <p:sldId id="256" r:id="rId2"/>
-    <p:sldId id="305" r:id="rId3"/>
-    <p:sldId id="288" r:id="rId4"/>
-    <p:sldId id="289" r:id="rId5"/>
-    <p:sldId id="291" r:id="rId6"/>
-    <p:sldId id="302" r:id="rId7"/>
-    <p:sldId id="295" r:id="rId8"/>
-    <p:sldId id="301" r:id="rId9"/>
-    <p:sldId id="300" r:id="rId10"/>
-    <p:sldId id="298" r:id="rId11"/>
-    <p:sldId id="299" r:id="rId12"/>
-    <p:sldId id="297" r:id="rId13"/>
-    <p:sldId id="304" r:id="rId14"/>
-    <p:sldId id="303" r:id="rId15"/>
-    <p:sldId id="306" r:id="rId16"/>
+    <p:sldId id="307" r:id="rId3"/>
+    <p:sldId id="308" r:id="rId4"/>
+    <p:sldId id="288" r:id="rId5"/>
+    <p:sldId id="289" r:id="rId6"/>
+    <p:sldId id="291" r:id="rId7"/>
+    <p:sldId id="302" r:id="rId8"/>
+    <p:sldId id="295" r:id="rId9"/>
+    <p:sldId id="301" r:id="rId10"/>
+    <p:sldId id="300" r:id="rId11"/>
+    <p:sldId id="298" r:id="rId12"/>
+    <p:sldId id="299" r:id="rId13"/>
+    <p:sldId id="297" r:id="rId14"/>
+    <p:sldId id="304" r:id="rId15"/>
+    <p:sldId id="303" r:id="rId16"/>
+    <p:sldId id="306" r:id="rId17"/>
   </p:sldIdLst>
   <p:sldSz cx="12192000" cy="6858000"/>
   <p:notesSz cx="6858000" cy="9144000"/>
@@ -12614,85 +12615,52 @@
             </a:r>
             <a:r>
               <a:rPr lang="en-US" cap="none" dirty="0" smtClean="0"/>
-              <a:t> </a:t>
+              <a:t/>
             </a:r>
             <a:br>
               <a:rPr lang="en-US" cap="none" dirty="0" smtClean="0"/>
             </a:br>
             <a:r>
               <a:rPr lang="en-US" cap="none" dirty="0" smtClean="0"/>
-              <a:t>Features at glance</a:t>
+              <a:t>SSMS Object Explorer with IntelliSense</a:t>
             </a:r>
             <a:endParaRPr lang="en-US" cap="none" dirty="0"/>
           </a:p>
         </p:txBody>
       </p:sp>
-      <p:sp>
-        <p:nvSpPr>
-          <p:cNvPr id="3" name="Content Placeholder 2"/>
-          <p:cNvSpPr>
-            <a:spLocks noGrp="1"/>
-          </p:cNvSpPr>
+      <p:pic>
+        <p:nvPicPr>
+          <p:cNvPr id="9" name="Content Placeholder 8"/>
+          <p:cNvPicPr>
+            <a:picLocks noGrp="1" noChangeAspect="1"/>
+          </p:cNvPicPr>
           <p:nvPr>
             <p:ph idx="1"/>
           </p:nvPr>
-        </p:nvSpPr>
-        <p:spPr/>
-        <p:txBody>
-          <a:bodyPr/>
-          <a:lstStyle/>
-          <a:p>
-            <a:r>
-              <a:rPr lang="en-US" dirty="0" smtClean="0"/>
-              <a:t>SSMS Object explorer in Visual Studio IntelliSense</a:t>
-            </a:r>
-          </a:p>
-          <a:p>
-            <a:r>
-              <a:rPr lang="en-US" dirty="0" smtClean="0"/>
-              <a:t>Stored procedures, table-valued user-defined functions, user-defined table types</a:t>
-            </a:r>
-          </a:p>
-          <a:p>
-            <a:r>
-              <a:rPr lang="en-US" dirty="0" err="1" smtClean="0"/>
-              <a:t>Microsoft.SqlServer.Types</a:t>
-            </a:r>
-            <a:r>
-              <a:rPr lang="en-US" dirty="0" smtClean="0"/>
-              <a:t>:</a:t>
-            </a:r>
-          </a:p>
-          <a:p>
-            <a:pPr lvl="1"/>
-            <a:r>
-              <a:rPr lang="en-US" dirty="0" err="1" smtClean="0"/>
-              <a:t>SqlHierarchyId</a:t>
-            </a:r>
-            <a:endParaRPr lang="en-US" dirty="0" smtClean="0"/>
-          </a:p>
-          <a:p>
-            <a:pPr lvl="1"/>
-            <a:r>
-              <a:rPr lang="en-US" dirty="0" err="1" smtClean="0"/>
-              <a:t>SqlGeography</a:t>
-            </a:r>
-            <a:endParaRPr lang="en-US" dirty="0" smtClean="0"/>
-          </a:p>
-          <a:p>
-            <a:pPr lvl="1"/>
-            <a:r>
-              <a:rPr lang="en-US" dirty="0" err="1" smtClean="0"/>
-              <a:t>SqlGeometry</a:t>
-            </a:r>
-            <a:endParaRPr lang="en-US" dirty="0" smtClean="0"/>
-          </a:p>
-        </p:txBody>
-      </p:sp>
+        </p:nvPicPr>
+        <p:blipFill>
+          <a:blip r:embed="rId2">
+            <a:extLst>
+              <a:ext uri="{28A0092B-C50C-407E-A947-70E740481C1C}">
+                <a14:useLocalDpi xmlns:a14="http://schemas.microsoft.com/office/drawing/2010/main" val="0"/>
+              </a:ext>
+            </a:extLst>
+          </a:blip>
+          <a:stretch>
+            <a:fillRect/>
+          </a:stretch>
+        </p:blipFill>
+        <p:spPr>
+          <a:xfrm>
+            <a:off x="1236710" y="2237203"/>
+            <a:ext cx="10193688" cy="3557422"/>
+          </a:xfrm>
+        </p:spPr>
+      </p:pic>
     </p:spTree>
     <p:extLst>
       <p:ext uri="{BB962C8B-B14F-4D97-AF65-F5344CB8AC3E}">
-        <p14:creationId xmlns:p14="http://schemas.microsoft.com/office/powerpoint/2010/main" val="1606980947"/>
+        <p14:creationId xmlns:p14="http://schemas.microsoft.com/office/powerpoint/2010/main" val="3749182905"/>
       </p:ext>
     </p:extLst>
   </p:cSld>
@@ -12749,14 +12717,14 @@
             </a:r>
             <a:r>
               <a:rPr lang="en-US" cap="none" dirty="0" smtClean="0"/>
-              <a:t/>
+              <a:t> </a:t>
             </a:r>
             <a:br>
               <a:rPr lang="en-US" cap="none" dirty="0" smtClean="0"/>
             </a:br>
             <a:r>
               <a:rPr lang="en-US" cap="none" dirty="0" smtClean="0"/>
-              <a:t>Summary</a:t>
+              <a:t>Features at glance</a:t>
             </a:r>
             <a:endParaRPr lang="en-US" cap="none" dirty="0"/>
           </a:p>
@@ -12779,46 +12747,55 @@
           <a:p>
             <a:r>
               <a:rPr lang="en-US" dirty="0" smtClean="0"/>
-              <a:t>Connection string retrieval similar to </a:t>
-            </a:r>
+              <a:t>SSMS Object explorer in Visual Studio IntelliSense</a:t>
+            </a:r>
+          </a:p>
+          <a:p>
+            <a:r>
+              <a:rPr lang="en-US" dirty="0" smtClean="0"/>
+              <a:t>Stored procedures, table-valued user-defined functions, user-defined table types</a:t>
+            </a:r>
+          </a:p>
+          <a:p>
             <a:r>
               <a:rPr lang="en-US" dirty="0" err="1" smtClean="0"/>
-              <a:t>SqlCommandProvider</a:t>
+              <a:t>Microsoft.SqlServer.Types</a:t>
+            </a:r>
+            <a:r>
+              <a:rPr lang="en-US" dirty="0" smtClean="0"/>
+              <a:t>:</a:t>
+            </a:r>
+          </a:p>
+          <a:p>
+            <a:pPr lvl="1"/>
+            <a:r>
+              <a:rPr lang="en-US" dirty="0" err="1" smtClean="0"/>
+              <a:t>SqlHierarchyId</a:t>
             </a:r>
             <a:endParaRPr lang="en-US" dirty="0" smtClean="0"/>
           </a:p>
           <a:p>
-            <a:r>
-              <a:rPr lang="en-US" dirty="0" smtClean="0"/>
-              <a:t>Support for default parameters in Stored Procedures</a:t>
-            </a:r>
-          </a:p>
-          <a:p>
-            <a:r>
-              <a:rPr lang="en-US" dirty="0" smtClean="0"/>
-              <a:t>Support for output parameters and </a:t>
-            </a:r>
+            <a:pPr lvl="1"/>
             <a:r>
               <a:rPr lang="en-US" dirty="0" err="1" smtClean="0"/>
-              <a:t>ReturnValue</a:t>
-            </a:r>
-            <a:r>
-              <a:rPr lang="en-US" dirty="0" smtClean="0"/>
-              <a:t> in Stored Procedures</a:t>
-            </a:r>
-          </a:p>
-          <a:p>
-            <a:r>
-              <a:rPr lang="en-US" dirty="0" smtClean="0"/>
-              <a:t>Support for User-Defined Table Types – both for Stored Procedures and Table-valued UDFs</a:t>
-            </a:r>
+              <a:t>SqlGeography</a:t>
+            </a:r>
+            <a:endParaRPr lang="en-US" dirty="0" smtClean="0"/>
+          </a:p>
+          <a:p>
+            <a:pPr lvl="1"/>
+            <a:r>
+              <a:rPr lang="en-US" dirty="0" err="1" smtClean="0"/>
+              <a:t>SqlGeometry</a:t>
+            </a:r>
+            <a:endParaRPr lang="en-US" dirty="0" smtClean="0"/>
           </a:p>
         </p:txBody>
       </p:sp>
     </p:spTree>
     <p:extLst>
       <p:ext uri="{BB962C8B-B14F-4D97-AF65-F5344CB8AC3E}">
-        <p14:creationId xmlns:p14="http://schemas.microsoft.com/office/powerpoint/2010/main" val="1573265196"/>
+        <p14:creationId xmlns:p14="http://schemas.microsoft.com/office/powerpoint/2010/main" val="1606980947"/>
       </p:ext>
     </p:extLst>
   </p:cSld>
@@ -12870,12 +12847,19 @@
           <a:lstStyle/>
           <a:p>
             <a:r>
+              <a:rPr lang="en-US" cap="none" dirty="0" err="1" smtClean="0"/>
+              <a:t>SqlProgrammabilityProvider</a:t>
+            </a:r>
+            <a:r>
               <a:rPr lang="en-US" cap="none" dirty="0" smtClean="0"/>
-              <a:t>Bonus - </a:t>
-            </a:r>
-            <a:r>
-              <a:rPr lang="en-US" cap="none" dirty="0" err="1" smtClean="0"/>
-              <a:t>SqlEnumProvider</a:t>
+              <a:t/>
+            </a:r>
+            <a:br>
+              <a:rPr lang="en-US" cap="none" dirty="0" smtClean="0"/>
+            </a:br>
+            <a:r>
+              <a:rPr lang="en-US" cap="none" dirty="0" smtClean="0"/>
+              <a:t>Summary</a:t>
             </a:r>
             <a:endParaRPr lang="en-US" cap="none" dirty="0"/>
           </a:p>
@@ -12896,14 +12880,48 @@
           <a:bodyPr/>
           <a:lstStyle/>
           <a:p>
-            <a:endParaRPr lang="en-US" dirty="0"/>
+            <a:r>
+              <a:rPr lang="en-US" dirty="0" smtClean="0"/>
+              <a:t>Connection string retrieval similar to </a:t>
+            </a:r>
+            <a:r>
+              <a:rPr lang="en-US" dirty="0" err="1" smtClean="0"/>
+              <a:t>SqlCommandProvider</a:t>
+            </a:r>
+            <a:endParaRPr lang="en-US" dirty="0" smtClean="0"/>
+          </a:p>
+          <a:p>
+            <a:r>
+              <a:rPr lang="en-US" dirty="0" smtClean="0"/>
+              <a:t>Support for default parameters in Stored Procedures</a:t>
+            </a:r>
+          </a:p>
+          <a:p>
+            <a:r>
+              <a:rPr lang="en-US" dirty="0" smtClean="0"/>
+              <a:t>Support for output parameters and </a:t>
+            </a:r>
+            <a:r>
+              <a:rPr lang="en-US" dirty="0" err="1" smtClean="0"/>
+              <a:t>ReturnValue</a:t>
+            </a:r>
+            <a:r>
+              <a:rPr lang="en-US" dirty="0" smtClean="0"/>
+              <a:t> in Stored Procedures</a:t>
+            </a:r>
+          </a:p>
+          <a:p>
+            <a:r>
+              <a:rPr lang="en-US" dirty="0" smtClean="0"/>
+              <a:t>Support for User-Defined Table Types – both for Stored Procedures and Table-valued UDFs</a:t>
+            </a:r>
           </a:p>
         </p:txBody>
       </p:sp>
     </p:spTree>
     <p:extLst>
       <p:ext uri="{BB962C8B-B14F-4D97-AF65-F5344CB8AC3E}">
-        <p14:creationId xmlns:p14="http://schemas.microsoft.com/office/powerpoint/2010/main" val="3202136238"/>
+        <p14:creationId xmlns:p14="http://schemas.microsoft.com/office/powerpoint/2010/main" val="1573265196"/>
       </p:ext>
     </p:extLst>
   </p:cSld>
@@ -12947,21 +12965,22 @@
             <p:ph type="title"/>
           </p:nvPr>
         </p:nvSpPr>
-        <p:spPr>
-          <a:xfrm>
-            <a:off x="1141413" y="618518"/>
-            <a:ext cx="9905998" cy="877773"/>
-          </a:xfrm>
-        </p:spPr>
+        <p:spPr/>
         <p:txBody>
-          <a:bodyPr/>
+          <a:bodyPr>
+            <a:normAutofit/>
+          </a:bodyPr>
           <a:lstStyle/>
           <a:p>
             <a:r>
-              <a:rPr lang="en-US" dirty="0" smtClean="0"/>
-              <a:t>FUNCTIONAL T-SQL architectures</a:t>
-            </a:r>
-            <a:endParaRPr lang="en-US" dirty="0"/>
+              <a:rPr lang="en-US" cap="none" dirty="0" smtClean="0"/>
+              <a:t>Bonus - </a:t>
+            </a:r>
+            <a:r>
+              <a:rPr lang="en-US" cap="none" dirty="0" err="1" smtClean="0"/>
+              <a:t>SqlEnumProvider</a:t>
+            </a:r>
+            <a:endParaRPr lang="en-US" cap="none" dirty="0"/>
           </a:p>
         </p:txBody>
       </p:sp>
@@ -12975,102 +12994,19 @@
             <p:ph idx="1"/>
           </p:nvPr>
         </p:nvSpPr>
-        <p:spPr>
-          <a:xfrm>
-            <a:off x="1141412" y="1589809"/>
-            <a:ext cx="9905999" cy="4416136"/>
-          </a:xfrm>
-        </p:spPr>
+        <p:spPr/>
         <p:txBody>
           <a:bodyPr/>
           <a:lstStyle/>
           <a:p>
-            <a:r>
-              <a:rPr lang="en-US" dirty="0" smtClean="0"/>
-              <a:t>Good parts (data retrieval)</a:t>
-            </a:r>
-          </a:p>
-          <a:p>
-            <a:pPr lvl="1"/>
-            <a:r>
-              <a:rPr lang="en-US" dirty="0" smtClean="0"/>
-              <a:t>Expression-based abstractions (aka </a:t>
-            </a:r>
-            <a:r>
-              <a:rPr lang="en-US" dirty="0"/>
-              <a:t>Table Expressions</a:t>
-            </a:r>
-            <a:r>
-              <a:rPr lang="en-US" dirty="0" smtClean="0"/>
-              <a:t>): Tables, Views, TVF, CTE</a:t>
-            </a:r>
-          </a:p>
-          <a:p>
-            <a:pPr lvl="1"/>
-            <a:r>
-              <a:rPr lang="en-US" dirty="0" smtClean="0"/>
-              <a:t>Recursion support – Common Table Expressions</a:t>
-            </a:r>
-          </a:p>
-          <a:p>
-            <a:pPr lvl="1"/>
-            <a:r>
-              <a:rPr lang="en-US" dirty="0" smtClean="0"/>
-              <a:t>Composition via APPLY operator (or JOIN)</a:t>
-            </a:r>
-          </a:p>
-          <a:p>
-            <a:pPr lvl="1"/>
-            <a:r>
-              <a:rPr lang="en-US" dirty="0"/>
-              <a:t>Table </a:t>
-            </a:r>
-            <a:r>
-              <a:rPr lang="en-US" dirty="0" smtClean="0"/>
-              <a:t>Expression Type (row set) + APPLY = MONAD</a:t>
-            </a:r>
-          </a:p>
-          <a:p>
-            <a:pPr lvl="1"/>
-            <a:r>
-              <a:rPr lang="en-US" dirty="0" smtClean="0"/>
-              <a:t>Namespaces </a:t>
-            </a:r>
-          </a:p>
-          <a:p>
-            <a:r>
-              <a:rPr lang="en-US" dirty="0" smtClean="0"/>
-              <a:t>Bad, imperative parts</a:t>
-            </a:r>
-          </a:p>
-          <a:p>
-            <a:pPr lvl="1"/>
-            <a:r>
-              <a:rPr lang="en-US" dirty="0" smtClean="0"/>
-              <a:t>Update in place by default (embrace DATOMIC or at least Event Sourcing )</a:t>
-            </a:r>
-          </a:p>
-          <a:p>
-            <a:pPr lvl="1"/>
-            <a:r>
-              <a:rPr lang="en-US" dirty="0" smtClean="0"/>
-              <a:t>No Static </a:t>
-            </a:r>
-            <a:r>
-              <a:rPr lang="en-US" dirty="0"/>
-              <a:t>T</a:t>
-            </a:r>
-            <a:r>
-              <a:rPr lang="en-US" dirty="0" smtClean="0"/>
-              <a:t>ypes</a:t>
-            </a:r>
+            <a:endParaRPr lang="en-US" dirty="0"/>
           </a:p>
         </p:txBody>
       </p:sp>
     </p:spTree>
     <p:extLst>
       <p:ext uri="{BB962C8B-B14F-4D97-AF65-F5344CB8AC3E}">
-        <p14:creationId xmlns:p14="http://schemas.microsoft.com/office/powerpoint/2010/main" val="676355955"/>
+        <p14:creationId xmlns:p14="http://schemas.microsoft.com/office/powerpoint/2010/main" val="3202136238"/>
       </p:ext>
     </p:extLst>
   </p:cSld>
@@ -13114,14 +13050,19 @@
             <p:ph type="title"/>
           </p:nvPr>
         </p:nvSpPr>
-        <p:spPr/>
+        <p:spPr>
+          <a:xfrm>
+            <a:off x="1141413" y="618518"/>
+            <a:ext cx="9905998" cy="877773"/>
+          </a:xfrm>
+        </p:spPr>
         <p:txBody>
           <a:bodyPr/>
           <a:lstStyle/>
           <a:p>
             <a:r>
               <a:rPr lang="en-US" dirty="0" smtClean="0"/>
-              <a:t>Future developments</a:t>
+              <a:t>FUNCTIONAL T-SQL architectures</a:t>
             </a:r>
             <a:endParaRPr lang="en-US" dirty="0"/>
           </a:p>
@@ -13137,40 +13078,102 @@
             <p:ph idx="1"/>
           </p:nvPr>
         </p:nvSpPr>
-        <p:spPr/>
+        <p:spPr>
+          <a:xfrm>
+            <a:off x="1141412" y="1589809"/>
+            <a:ext cx="9905999" cy="4416136"/>
+          </a:xfrm>
+        </p:spPr>
         <p:txBody>
           <a:bodyPr/>
           <a:lstStyle/>
           <a:p>
             <a:r>
               <a:rPr lang="en-US" dirty="0" smtClean="0"/>
-              <a:t>More responsive IDE experience</a:t>
-            </a:r>
-          </a:p>
-          <a:p>
+              <a:t>Good parts (data retrieval)</a:t>
+            </a:r>
+          </a:p>
+          <a:p>
+            <a:pPr lvl="1"/>
             <a:r>
               <a:rPr lang="en-US" dirty="0" smtClean="0"/>
-              <a:t>Even better docs and examples</a:t>
-            </a:r>
-          </a:p>
-          <a:p>
+              <a:t>Expression-based abstractions (aka </a:t>
+            </a:r>
             <a:r>
               <a:rPr lang="en-US" dirty="0"/>
-              <a:t>New Type Providers syntax</a:t>
-            </a:r>
-          </a:p>
-          <a:p>
-            <a:endParaRPr lang="en-US" dirty="0" smtClean="0"/>
-          </a:p>
-          <a:p>
-            <a:endParaRPr lang="en-US" dirty="0"/>
+              <a:t>Table Expressions</a:t>
+            </a:r>
+            <a:r>
+              <a:rPr lang="en-US" dirty="0" smtClean="0"/>
+              <a:t>): Tables, Views, TVF, CTE</a:t>
+            </a:r>
+          </a:p>
+          <a:p>
+            <a:pPr lvl="1"/>
+            <a:r>
+              <a:rPr lang="en-US" dirty="0" smtClean="0"/>
+              <a:t>Recursion support – Common Table Expressions</a:t>
+            </a:r>
+          </a:p>
+          <a:p>
+            <a:pPr lvl="1"/>
+            <a:r>
+              <a:rPr lang="en-US" dirty="0" smtClean="0"/>
+              <a:t>Composition via APPLY operator (or JOIN)</a:t>
+            </a:r>
+          </a:p>
+          <a:p>
+            <a:pPr lvl="1"/>
+            <a:r>
+              <a:rPr lang="en-US" dirty="0"/>
+              <a:t>Table </a:t>
+            </a:r>
+            <a:r>
+              <a:rPr lang="en-US" dirty="0" smtClean="0"/>
+              <a:t>Expression Type (row set) + APPLY = MONAD</a:t>
+            </a:r>
+          </a:p>
+          <a:p>
+            <a:pPr lvl="1"/>
+            <a:r>
+              <a:rPr lang="en-US" dirty="0" smtClean="0"/>
+              <a:t>Namespaces </a:t>
+            </a:r>
+          </a:p>
+          <a:p>
+            <a:r>
+              <a:rPr lang="en-US" dirty="0" smtClean="0"/>
+              <a:t>Bad, imperative parts</a:t>
+            </a:r>
+          </a:p>
+          <a:p>
+            <a:pPr lvl="1"/>
+            <a:r>
+              <a:rPr lang="en-US" dirty="0" smtClean="0"/>
+              <a:t>Update in place by default (embrace DATOMIC or at least Event Sourcing )</a:t>
+            </a:r>
+          </a:p>
+          <a:p>
+            <a:pPr lvl="1"/>
+            <a:r>
+              <a:rPr lang="en-US" dirty="0" smtClean="0"/>
+              <a:t>No Static </a:t>
+            </a:r>
+            <a:r>
+              <a:rPr lang="en-US" dirty="0"/>
+              <a:t>T</a:t>
+            </a:r>
+            <a:r>
+              <a:rPr lang="en-US" dirty="0" smtClean="0"/>
+              <a:t>ypes</a:t>
+            </a:r>
           </a:p>
         </p:txBody>
       </p:sp>
     </p:spTree>
     <p:extLst>
       <p:ext uri="{BB962C8B-B14F-4D97-AF65-F5344CB8AC3E}">
-        <p14:creationId xmlns:p14="http://schemas.microsoft.com/office/powerpoint/2010/main" val="3258193515"/>
+        <p14:creationId xmlns:p14="http://schemas.microsoft.com/office/powerpoint/2010/main" val="676355955"/>
       </p:ext>
     </p:extLst>
   </p:cSld>
@@ -13221,7 +13224,7 @@
           <a:p>
             <a:r>
               <a:rPr lang="en-US" dirty="0" smtClean="0"/>
-              <a:t>SUMMARY</a:t>
+              <a:t>Future developments</a:t>
             </a:r>
             <a:endParaRPr lang="en-US" dirty="0"/>
           </a:p>
@@ -13244,6 +13247,106 @@
           <a:p>
             <a:r>
               <a:rPr lang="en-US" dirty="0" smtClean="0"/>
+              <a:t>More responsive IDE experience</a:t>
+            </a:r>
+          </a:p>
+          <a:p>
+            <a:r>
+              <a:rPr lang="en-US" dirty="0" smtClean="0"/>
+              <a:t>Even better docs and examples</a:t>
+            </a:r>
+          </a:p>
+          <a:p>
+            <a:r>
+              <a:rPr lang="en-US" dirty="0"/>
+              <a:t>New Type Providers syntax</a:t>
+            </a:r>
+          </a:p>
+          <a:p>
+            <a:endParaRPr lang="en-US" dirty="0" smtClean="0"/>
+          </a:p>
+          <a:p>
+            <a:endParaRPr lang="en-US" dirty="0"/>
+          </a:p>
+        </p:txBody>
+      </p:sp>
+    </p:spTree>
+    <p:extLst>
+      <p:ext uri="{BB962C8B-B14F-4D97-AF65-F5344CB8AC3E}">
+        <p14:creationId xmlns:p14="http://schemas.microsoft.com/office/powerpoint/2010/main" val="3258193515"/>
+      </p:ext>
+    </p:extLst>
+  </p:cSld>
+  <p:clrMapOvr>
+    <a:masterClrMapping/>
+  </p:clrMapOvr>
+  <p:timing>
+    <p:tnLst>
+      <p:par>
+        <p:cTn id="1" dur="indefinite" restart="never" nodeType="tmRoot"/>
+      </p:par>
+    </p:tnLst>
+  </p:timing>
+</p:sld>
+</file>
+
+<file path=ppt/slides/slide16.xml><?xml version="1.0" encoding="utf-8"?>
+<p:sld xmlns:a="http://schemas.openxmlformats.org/drawingml/2006/main" xmlns:r="http://schemas.openxmlformats.org/officeDocument/2006/relationships" xmlns:p="http://schemas.openxmlformats.org/presentationml/2006/main">
+  <p:cSld>
+    <p:spTree>
+      <p:nvGrpSpPr>
+        <p:cNvPr id="1" name=""/>
+        <p:cNvGrpSpPr/>
+        <p:nvPr/>
+      </p:nvGrpSpPr>
+      <p:grpSpPr>
+        <a:xfrm>
+          <a:off x="0" y="0"/>
+          <a:ext cx="0" cy="0"/>
+          <a:chOff x="0" y="0"/>
+          <a:chExt cx="0" cy="0"/>
+        </a:xfrm>
+      </p:grpSpPr>
+      <p:sp>
+        <p:nvSpPr>
+          <p:cNvPr id="2" name="Title 1"/>
+          <p:cNvSpPr>
+            <a:spLocks noGrp="1"/>
+          </p:cNvSpPr>
+          <p:nvPr>
+            <p:ph type="title"/>
+          </p:nvPr>
+        </p:nvSpPr>
+        <p:spPr/>
+        <p:txBody>
+          <a:bodyPr/>
+          <a:lstStyle/>
+          <a:p>
+            <a:r>
+              <a:rPr lang="en-US" dirty="0" smtClean="0"/>
+              <a:t>SUMMARY</a:t>
+            </a:r>
+            <a:endParaRPr lang="en-US" dirty="0"/>
+          </a:p>
+        </p:txBody>
+      </p:sp>
+      <p:sp>
+        <p:nvSpPr>
+          <p:cNvPr id="3" name="Content Placeholder 2"/>
+          <p:cNvSpPr>
+            <a:spLocks noGrp="1"/>
+          </p:cNvSpPr>
+          <p:nvPr>
+            <p:ph idx="1"/>
+          </p:nvPr>
+        </p:nvSpPr>
+        <p:spPr/>
+        <p:txBody>
+          <a:bodyPr/>
+          <a:lstStyle/>
+          <a:p>
+            <a:r>
+              <a:rPr lang="en-US" dirty="0" smtClean="0"/>
               <a:t>Data access in T-SQL can be pleasant exercise </a:t>
             </a:r>
           </a:p>
@@ -13273,12 +13376,16 @@
             <a:pPr lvl="1"/>
             <a:r>
               <a:rPr lang="en-US" dirty="0" smtClean="0"/>
-              <a:t>Follows F# </a:t>
-            </a:r>
-            <a:r>
-              <a:rPr lang="en-US" smtClean="0"/>
-              <a:t>OSS standards</a:t>
-            </a:r>
+              <a:t>Follows F# OSS standards</a:t>
+            </a:r>
+          </a:p>
+          <a:p>
+            <a:pPr lvl="1"/>
+            <a:endParaRPr lang="en-US" dirty="0"/>
+          </a:p>
+          <a:p>
+            <a:pPr lvl="1"/>
+            <a:endParaRPr lang="en-US" dirty="0" smtClean="0"/>
           </a:p>
           <a:p>
             <a:endParaRPr lang="en-US" dirty="0"/>
@@ -13317,7 +13424,7 @@
       </p:grpSpPr>
       <p:sp>
         <p:nvSpPr>
-          <p:cNvPr id="4" name="Title 3"/>
+          <p:cNvPr id="2" name="Title 1"/>
           <p:cNvSpPr>
             <a:spLocks noGrp="1"/>
           </p:cNvSpPr>
@@ -13327,32 +13434,29 @@
         </p:nvSpPr>
         <p:spPr/>
         <p:txBody>
-          <a:bodyPr>
-            <a:normAutofit/>
-          </a:bodyPr>
+          <a:bodyPr/>
           <a:lstStyle/>
           <a:p>
+            <a:pPr algn="ctr"/>
             <a:r>
               <a:rPr lang="en-US" dirty="0" smtClean="0"/>
-              <a:t>Dmitry Morozov,</a:t>
-            </a:r>
-            <a:br>
+              <a:t> </a:t>
+            </a:r>
+            <a:r>
+              <a:rPr lang="en-US" dirty="0"/>
+              <a:t>F# </a:t>
+            </a:r>
+            <a:r>
               <a:rPr lang="en-US" dirty="0" smtClean="0"/>
-            </a:br>
-            <a:r>
-              <a:rPr lang="en-US" dirty="0"/>
-              <a:t>TACHYUS</a:t>
-            </a:r>
-            <a:br>
-              <a:rPr lang="en-US" dirty="0"/>
-            </a:br>
+              <a:t>full stack software engineering team</a:t>
+            </a:r>
             <a:endParaRPr lang="en-US" dirty="0"/>
           </a:p>
         </p:txBody>
       </p:sp>
       <p:sp>
         <p:nvSpPr>
-          <p:cNvPr id="6" name="Text Placeholder 5"/>
+          <p:cNvPr id="4" name="Text Placeholder 3"/>
           <p:cNvSpPr>
             <a:spLocks noGrp="1"/>
           </p:cNvSpPr>
@@ -13365,105 +13469,85 @@
           <a:bodyPr/>
           <a:lstStyle/>
           <a:p>
-            <a:pPr marL="285750" indent="-285750">
-              <a:buFont typeface="Arial" panose="020B0604020202020204" pitchFamily="34" charset="0"/>
-              <a:buChar char="•"/>
-            </a:pPr>
             <a:r>
               <a:rPr lang="en-US" dirty="0" smtClean="0"/>
-              <a:t>iOS</a:t>
-            </a:r>
-          </a:p>
-          <a:p>
-            <a:pPr marL="285750" indent="-285750">
-              <a:buFont typeface="Arial" panose="020B0604020202020204" pitchFamily="34" charset="0"/>
-              <a:buChar char="•"/>
-            </a:pPr>
+              <a:t>IOS, </a:t>
+            </a:r>
+            <a:r>
+              <a:rPr lang="en-US" dirty="0" err="1" smtClean="0"/>
+              <a:t>Xamarin</a:t>
+            </a:r>
+            <a:r>
+              <a:rPr lang="en-US" dirty="0" smtClean="0"/>
+              <a:t>, </a:t>
+            </a:r>
             <a:r>
               <a:rPr lang="en-US" dirty="0" err="1" smtClean="0"/>
               <a:t>WebAPI</a:t>
             </a:r>
-            <a:endParaRPr lang="en-US" dirty="0" smtClean="0"/>
-          </a:p>
-          <a:p>
-            <a:pPr marL="285750" indent="-285750">
-              <a:buFont typeface="Arial" panose="020B0604020202020204" pitchFamily="34" charset="0"/>
-              <a:buChar char="•"/>
-            </a:pPr>
+            <a:r>
+              <a:rPr lang="en-US" dirty="0" smtClean="0"/>
+              <a:t>, </a:t>
+            </a:r>
             <a:r>
               <a:rPr lang="en-US" dirty="0" err="1" smtClean="0"/>
               <a:t>WebSharper</a:t>
             </a:r>
             <a:r>
               <a:rPr lang="en-US" dirty="0" smtClean="0"/>
-              <a:t> (prototype)</a:t>
-            </a:r>
-          </a:p>
-          <a:p>
-            <a:pPr marL="285750" indent="-285750">
-              <a:buFont typeface="Arial" panose="020B0604020202020204" pitchFamily="34" charset="0"/>
-              <a:buChar char="•"/>
-            </a:pPr>
-            <a:r>
-              <a:rPr lang="en-US" dirty="0" smtClean="0"/>
-              <a:t>Data </a:t>
-            </a:r>
-            <a:r>
-              <a:rPr lang="en-US" dirty="0" err="1" smtClean="0"/>
-              <a:t>acess</a:t>
-            </a:r>
-            <a:r>
-              <a:rPr lang="en-US" dirty="0" smtClean="0"/>
-              <a:t>/SQL Server</a:t>
-            </a:r>
-          </a:p>
-          <a:p>
-            <a:pPr marL="285750" indent="-285750">
-              <a:buFont typeface="Arial" panose="020B0604020202020204" pitchFamily="34" charset="0"/>
-              <a:buChar char="•"/>
-            </a:pPr>
-            <a:r>
-              <a:rPr lang="en-US" smtClean="0"/>
-              <a:t>Data science, ML</a:t>
-            </a:r>
-            <a:endParaRPr lang="en-US" dirty="0" smtClean="0"/>
-          </a:p>
-          <a:p>
-            <a:pPr marL="285750" indent="-285750">
-              <a:buFont typeface="Arial" panose="020B0604020202020204" pitchFamily="34" charset="0"/>
-              <a:buChar char="•"/>
-            </a:pPr>
-            <a:endParaRPr lang="en-US" dirty="0" smtClean="0"/>
-          </a:p>
-          <a:p>
-            <a:pPr marL="285750" indent="-285750">
-              <a:buFont typeface="Arial" panose="020B0604020202020204" pitchFamily="34" charset="0"/>
-              <a:buChar char="•"/>
-            </a:pPr>
+              <a:t> (prototype), Data Science, Machine Learning, Python Integration (future plans), Fake, Data Access etc.</a:t>
+            </a:r>
             <a:endParaRPr lang="en-US" dirty="0"/>
           </a:p>
         </p:txBody>
       </p:sp>
       <p:pic>
         <p:nvPicPr>
-          <p:cNvPr id="13" name="Content Placeholder 12"/>
+          <p:cNvPr id="8" name="Picture Placeholder 7"/>
           <p:cNvPicPr>
             <a:picLocks noGrp="1" noChangeAspect="1"/>
           </p:cNvPicPr>
           <p:nvPr>
-            <p:ph idx="1"/>
+            <p:ph type="pic" idx="1"/>
           </p:nvPr>
         </p:nvPicPr>
         <p:blipFill>
           <a:blip r:embed="rId2"/>
+          <a:srcRect t="6423" b="6423"/>
+          <a:stretch>
+            <a:fillRect/>
+          </a:stretch>
+        </p:blipFill>
+        <p:spPr>
+          <a:prstGeom prst="rect">
+            <a:avLst/>
+          </a:prstGeom>
+        </p:spPr>
+      </p:pic>
+      <p:pic>
+        <p:nvPicPr>
+          <p:cNvPr id="10" name="Picture 9"/>
+          <p:cNvPicPr>
+            <a:picLocks noChangeAspect="1"/>
+          </p:cNvPicPr>
+          <p:nvPr/>
+        </p:nvPicPr>
+        <p:blipFill>
+          <a:blip r:embed="rId3">
+            <a:extLst>
+              <a:ext uri="{28A0092B-C50C-407E-A947-70E740481C1C}">
+                <a14:useLocalDpi xmlns:a14="http://schemas.microsoft.com/office/drawing/2010/main" val="0"/>
+              </a:ext>
+            </a:extLst>
+          </a:blip>
           <a:stretch>
             <a:fillRect/>
           </a:stretch>
         </p:blipFill>
         <p:spPr>
           <a:xfrm>
-            <a:off x="5002742" y="609600"/>
-            <a:ext cx="6131892" cy="5181599"/>
+            <a:off x="4826952" y="845848"/>
+            <a:ext cx="2539682" cy="457143"/>
           </a:xfrm>
           <a:prstGeom prst="rect">
             <a:avLst/>
@@ -13473,17 +13557,136 @@
     </p:spTree>
     <p:extLst>
       <p:ext uri="{BB962C8B-B14F-4D97-AF65-F5344CB8AC3E}">
-        <p14:creationId xmlns:p14="http://schemas.microsoft.com/office/powerpoint/2010/main" val="2158941642"/>
+        <p14:creationId xmlns:p14="http://schemas.microsoft.com/office/powerpoint/2010/main" val="3711712072"/>
       </p:ext>
     </p:extLst>
   </p:cSld>
   <p:clrMapOvr>
     <a:masterClrMapping/>
   </p:clrMapOvr>
+  <p:timing>
+    <p:tnLst>
+      <p:par>
+        <p:cTn id="1" dur="indefinite" restart="never" nodeType="tmRoot"/>
+      </p:par>
+    </p:tnLst>
+  </p:timing>
 </p:sld>
 </file>
 
 <file path=ppt/slides/slide3.xml><?xml version="1.0" encoding="utf-8"?>
+<p:sld xmlns:a="http://schemas.openxmlformats.org/drawingml/2006/main" xmlns:r="http://schemas.openxmlformats.org/officeDocument/2006/relationships" xmlns:p="http://schemas.openxmlformats.org/presentationml/2006/main">
+  <p:cSld>
+    <p:spTree>
+      <p:nvGrpSpPr>
+        <p:cNvPr id="1" name=""/>
+        <p:cNvGrpSpPr/>
+        <p:nvPr/>
+      </p:nvGrpSpPr>
+      <p:grpSpPr>
+        <a:xfrm>
+          <a:off x="0" y="0"/>
+          <a:ext cx="0" cy="0"/>
+          <a:chOff x="0" y="0"/>
+          <a:chExt cx="0" cy="0"/>
+        </a:xfrm>
+      </p:grpSpPr>
+      <p:sp>
+        <p:nvSpPr>
+          <p:cNvPr id="7" name="Title 6"/>
+          <p:cNvSpPr>
+            <a:spLocks noGrp="1"/>
+          </p:cNvSpPr>
+          <p:nvPr>
+            <p:ph type="title"/>
+          </p:nvPr>
+        </p:nvSpPr>
+        <p:spPr/>
+        <p:txBody>
+          <a:bodyPr/>
+          <a:lstStyle/>
+          <a:p>
+            <a:r>
+              <a:rPr lang="en-US" dirty="0" smtClean="0"/>
+              <a:t>SQL server as storage engine</a:t>
+            </a:r>
+            <a:endParaRPr lang="en-US" dirty="0"/>
+          </a:p>
+        </p:txBody>
+      </p:sp>
+      <p:sp>
+        <p:nvSpPr>
+          <p:cNvPr id="21" name="Text Placeholder 20"/>
+          <p:cNvSpPr>
+            <a:spLocks noGrp="1"/>
+          </p:cNvSpPr>
+          <p:nvPr>
+            <p:ph type="body" sz="half" idx="2"/>
+          </p:nvPr>
+        </p:nvSpPr>
+        <p:spPr/>
+        <p:txBody>
+          <a:bodyPr/>
+          <a:lstStyle/>
+          <a:p>
+            <a:r>
+              <a:rPr lang="en-US" dirty="0" smtClean="0"/>
+              <a:t>This is not SQL vs “NoSQL” discussion</a:t>
+            </a:r>
+            <a:endParaRPr lang="en-US" dirty="0"/>
+          </a:p>
+        </p:txBody>
+      </p:sp>
+      <p:pic>
+        <p:nvPicPr>
+          <p:cNvPr id="23" name="Picture Placeholder 22"/>
+          <p:cNvPicPr>
+            <a:picLocks noGrp="1" noChangeAspect="1"/>
+          </p:cNvPicPr>
+          <p:nvPr>
+            <p:ph type="pic" idx="1"/>
+          </p:nvPr>
+        </p:nvPicPr>
+        <p:blipFill>
+          <a:blip r:embed="rId2">
+            <a:extLst>
+              <a:ext uri="{28A0092B-C50C-407E-A947-70E740481C1C}">
+                <a14:useLocalDpi xmlns:a14="http://schemas.microsoft.com/office/drawing/2010/main" val="0"/>
+              </a:ext>
+            </a:extLst>
+          </a:blip>
+          <a:stretch>
+            <a:fillRect/>
+          </a:stretch>
+        </p:blipFill>
+        <p:spPr>
+          <a:xfrm>
+            <a:off x="777526" y="640716"/>
+            <a:ext cx="11062975" cy="3028314"/>
+          </a:xfrm>
+        </p:spPr>
+      </p:pic>
+    </p:spTree>
+    <p:extLst>
+      <p:ext uri="{BB962C8B-B14F-4D97-AF65-F5344CB8AC3E}">
+        <p14:creationId xmlns:p14="http://schemas.microsoft.com/office/powerpoint/2010/main" val="3875883300"/>
+      </p:ext>
+    </p:extLst>
+  </p:cSld>
+  <p:clrMapOvr>
+    <a:masterClrMapping/>
+  </p:clrMapOvr>
+  <p:timing>
+    <p:tnLst>
+      <p:par>
+        <p:cTn id="1" dur="indefinite" restart="never" nodeType="tmRoot"/>
+      </p:par>
+    </p:tnLst>
+  </p:timing>
+</p:sld>
+</file>
+
+<file path=ppt/slides/slide4.xml><?xml version="1.0" encoding="utf-8"?>
 <p:sld xmlns:a="http://schemas.openxmlformats.org/drawingml/2006/main" xmlns:r="http://schemas.openxmlformats.org/officeDocument/2006/relationships" xmlns:p="http://schemas.openxmlformats.org/presentationml/2006/main">
   <p:cSld>
     <p:spTree>
@@ -13611,7 +13814,7 @@
 </p:sld>
 </file>
 
-<file path=ppt/slides/slide4.xml><?xml version="1.0" encoding="utf-8"?>
+<file path=ppt/slides/slide5.xml><?xml version="1.0" encoding="utf-8"?>
 <p:sld xmlns:a="http://schemas.openxmlformats.org/drawingml/2006/main" xmlns:r="http://schemas.openxmlformats.org/officeDocument/2006/relationships" xmlns:p="http://schemas.openxmlformats.org/presentationml/2006/main">
   <p:cSld>
     <p:spTree>
@@ -13749,7 +13952,7 @@
 </p:sld>
 </file>
 
-<file path=ppt/slides/slide5.xml><?xml version="1.0" encoding="utf-8"?>
+<file path=ppt/slides/slide6.xml><?xml version="1.0" encoding="utf-8"?>
 <p:sld xmlns:a="http://schemas.openxmlformats.org/drawingml/2006/main" xmlns:r="http://schemas.openxmlformats.org/officeDocument/2006/relationships" xmlns:p="http://schemas.openxmlformats.org/presentationml/2006/main">
   <p:cSld>
     <p:spTree>
@@ -13883,7 +14086,7 @@
 </p:sld>
 </file>
 
-<file path=ppt/slides/slide6.xml><?xml version="1.0" encoding="utf-8"?>
+<file path=ppt/slides/slide7.xml><?xml version="1.0" encoding="utf-8"?>
 <p:sld xmlns:a="http://schemas.openxmlformats.org/drawingml/2006/main" xmlns:r="http://schemas.openxmlformats.org/officeDocument/2006/relationships" xmlns:p="http://schemas.openxmlformats.org/presentationml/2006/main">
   <p:cSld>
     <p:spTree>
@@ -14456,7 +14659,7 @@
 </p:sld>
 </file>
 
-<file path=ppt/slides/slide7.xml><?xml version="1.0" encoding="utf-8"?>
+<file path=ppt/slides/slide8.xml><?xml version="1.0" encoding="utf-8"?>
 <p:sld xmlns:a="http://schemas.openxmlformats.org/drawingml/2006/main" xmlns:r="http://schemas.openxmlformats.org/officeDocument/2006/relationships" xmlns:p="http://schemas.openxmlformats.org/presentationml/2006/main">
   <p:cSld>
     <p:spTree>
@@ -14539,108 +14742,6 @@
     <p:extLst>
       <p:ext uri="{BB962C8B-B14F-4D97-AF65-F5344CB8AC3E}">
         <p14:creationId xmlns:p14="http://schemas.microsoft.com/office/powerpoint/2010/main" val="1988362295"/>
-      </p:ext>
-    </p:extLst>
-  </p:cSld>
-  <p:clrMapOvr>
-    <a:masterClrMapping/>
-  </p:clrMapOvr>
-  <p:timing>
-    <p:tnLst>
-      <p:par>
-        <p:cTn id="1" dur="indefinite" restart="never" nodeType="tmRoot"/>
-      </p:par>
-    </p:tnLst>
-  </p:timing>
-</p:sld>
-</file>
-
-<file path=ppt/slides/slide8.xml><?xml version="1.0" encoding="utf-8"?>
-<p:sld xmlns:a="http://schemas.openxmlformats.org/drawingml/2006/main" xmlns:r="http://schemas.openxmlformats.org/officeDocument/2006/relationships" xmlns:p="http://schemas.openxmlformats.org/presentationml/2006/main">
-  <p:cSld>
-    <p:spTree>
-      <p:nvGrpSpPr>
-        <p:cNvPr id="1" name=""/>
-        <p:cNvGrpSpPr/>
-        <p:nvPr/>
-      </p:nvGrpSpPr>
-      <p:grpSpPr>
-        <a:xfrm>
-          <a:off x="0" y="0"/>
-          <a:ext cx="0" cy="0"/>
-          <a:chOff x="0" y="0"/>
-          <a:chExt cx="0" cy="0"/>
-        </a:xfrm>
-      </p:grpSpPr>
-      <p:sp>
-        <p:nvSpPr>
-          <p:cNvPr id="2" name="Title 1"/>
-          <p:cNvSpPr>
-            <a:spLocks noGrp="1"/>
-          </p:cNvSpPr>
-          <p:nvPr>
-            <p:ph type="title"/>
-          </p:nvPr>
-        </p:nvSpPr>
-        <p:spPr/>
-        <p:txBody>
-          <a:bodyPr>
-            <a:normAutofit/>
-          </a:bodyPr>
-          <a:lstStyle/>
-          <a:p>
-            <a:r>
-              <a:rPr lang="en-US" cap="none" dirty="0" err="1" smtClean="0"/>
-              <a:t>SqlProgrammabilityProvider</a:t>
-            </a:r>
-            <a:r>
-              <a:rPr lang="en-US" cap="none" dirty="0" smtClean="0"/>
-              <a:t/>
-            </a:r>
-            <a:br>
-              <a:rPr lang="en-US" cap="none" dirty="0" smtClean="0"/>
-            </a:br>
-            <a:r>
-              <a:rPr lang="en-US" cap="none" dirty="0" smtClean="0"/>
-              <a:t>Enterprise development with SQL</a:t>
-            </a:r>
-            <a:endParaRPr lang="en-US" cap="none" dirty="0"/>
-          </a:p>
-        </p:txBody>
-      </p:sp>
-      <p:pic>
-        <p:nvPicPr>
-          <p:cNvPr id="4" name="Content Placeholder 3"/>
-          <p:cNvPicPr>
-            <a:picLocks noGrp="1" noChangeAspect="1"/>
-          </p:cNvPicPr>
-          <p:nvPr>
-            <p:ph idx="1"/>
-          </p:nvPr>
-        </p:nvPicPr>
-        <p:blipFill>
-          <a:blip r:embed="rId2">
-            <a:extLst>
-              <a:ext uri="{28A0092B-C50C-407E-A947-70E740481C1C}">
-                <a14:useLocalDpi xmlns:a14="http://schemas.microsoft.com/office/drawing/2010/main" val="0"/>
-              </a:ext>
-            </a:extLst>
-          </a:blip>
-          <a:stretch>
-            <a:fillRect/>
-          </a:stretch>
-        </p:blipFill>
-        <p:spPr>
-          <a:xfrm>
-            <a:off x="1366667" y="2014928"/>
-            <a:ext cx="9190030" cy="4353501"/>
-          </a:xfrm>
-        </p:spPr>
-      </p:pic>
-    </p:spTree>
-    <p:extLst>
-      <p:ext uri="{BB962C8B-B14F-4D97-AF65-F5344CB8AC3E}">
-        <p14:creationId xmlns:p14="http://schemas.microsoft.com/office/powerpoint/2010/main" val="2627604622"/>
       </p:ext>
     </p:extLst>
   </p:cSld>
@@ -14704,7 +14805,7 @@
             </a:br>
             <a:r>
               <a:rPr lang="en-US" cap="none" dirty="0" smtClean="0"/>
-              <a:t>SSMS Object Explorer with IntelliSense</a:t>
+              <a:t>Enterprise development with SQL</a:t>
             </a:r>
             <a:endParaRPr lang="en-US" cap="none" dirty="0"/>
           </a:p>
@@ -14712,7 +14813,7 @@
       </p:sp>
       <p:pic>
         <p:nvPicPr>
-          <p:cNvPr id="9" name="Content Placeholder 8"/>
+          <p:cNvPr id="4" name="Content Placeholder 3"/>
           <p:cNvPicPr>
             <a:picLocks noGrp="1" noChangeAspect="1"/>
           </p:cNvPicPr>
@@ -14734,15 +14835,15 @@
         </p:blipFill>
         <p:spPr>
           <a:xfrm>
-            <a:off x="1236710" y="2237203"/>
-            <a:ext cx="10193688" cy="3557422"/>
+            <a:off x="1366667" y="2014928"/>
+            <a:ext cx="9190030" cy="4353501"/>
           </a:xfrm>
         </p:spPr>
       </p:pic>
     </p:spTree>
     <p:extLst>
       <p:ext uri="{BB962C8B-B14F-4D97-AF65-F5344CB8AC3E}">
-        <p14:creationId xmlns:p14="http://schemas.microsoft.com/office/powerpoint/2010/main" val="3749182905"/>
+        <p14:creationId xmlns:p14="http://schemas.microsoft.com/office/powerpoint/2010/main" val="2627604622"/>
       </p:ext>
     </p:extLst>
   </p:cSld>
